--- a/Presentation/Project_1_Presentation.pptx
+++ b/Presentation/Project_1_Presentation.pptx
@@ -5,14 +5,24 @@
     <p:sldMasterId id="2147483666" r:id="rId4"/>
   </p:sldMasterIdLst>
   <p:notesMasterIdLst>
-    <p:notesMasterId r:id="rId7"/>
+    <p:notesMasterId r:id="rId17"/>
   </p:notesMasterIdLst>
   <p:handoutMasterIdLst>
-    <p:handoutMasterId r:id="rId8"/>
+    <p:handoutMasterId r:id="rId18"/>
   </p:handoutMasterIdLst>
   <p:sldIdLst>
     <p:sldId id="314" r:id="rId5"/>
     <p:sldId id="315" r:id="rId6"/>
+    <p:sldId id="316" r:id="rId7"/>
+    <p:sldId id="318" r:id="rId8"/>
+    <p:sldId id="319" r:id="rId9"/>
+    <p:sldId id="317" r:id="rId10"/>
+    <p:sldId id="320" r:id="rId11"/>
+    <p:sldId id="321" r:id="rId12"/>
+    <p:sldId id="323" r:id="rId13"/>
+    <p:sldId id="324" r:id="rId14"/>
+    <p:sldId id="325" r:id="rId15"/>
+    <p:sldId id="326" r:id="rId16"/>
   </p:sldIdLst>
   <p:sldSz cx="12192000" cy="6858000"/>
   <p:notesSz cx="6858000" cy="9144000"/>
@@ -148,7 +158,7 @@
 <file path=ppt/revisionInfo.xml><?xml version="1.0" encoding="utf-8"?>
 <p1510:revInfo xmlns:a="http://schemas.openxmlformats.org/drawingml/2006/main" xmlns:r="http://schemas.openxmlformats.org/officeDocument/2006/relationships" xmlns:p1510="http://schemas.microsoft.com/office/powerpoint/2015/10/main">
   <p1510:revLst>
-    <p1510:client id="{4CD91318-82F9-47D9-A550-9128902C7E88}" v="1" dt="2025-04-15T00:15:08.992"/>
+    <p1510:client id="{4CD91318-82F9-47D9-A550-9128902C7E88}" v="18" dt="2025-04-19T18:31:17.183"/>
   </p1510:revLst>
 </p1510:revInfo>
 </file>
@@ -157,8 +167,8 @@
 <pc:chgInfo xmlns:a="http://schemas.openxmlformats.org/drawingml/2006/main" xmlns:r="http://schemas.openxmlformats.org/officeDocument/2006/relationships" xmlns:ac="http://schemas.microsoft.com/office/drawing/2013/main/command" xmlns:pc="http://schemas.microsoft.com/office/powerpoint/2013/main/command">
   <pc:docChgLst>
     <pc:chgData name="Ryan Waterman" userId="9e326c9a568fa91a" providerId="LiveId" clId="{4CD91318-82F9-47D9-A550-9128902C7E88}"/>
-    <pc:docChg chg="custSel addSld delSld modSld">
-      <pc:chgData name="Ryan Waterman" userId="9e326c9a568fa91a" providerId="LiveId" clId="{4CD91318-82F9-47D9-A550-9128902C7E88}" dt="2025-04-15T00:15:46.790" v="130" actId="20577"/>
+    <pc:docChg chg="undo custSel addSld delSld modSld sldOrd">
+      <pc:chgData name="Ryan Waterman" userId="9e326c9a568fa91a" providerId="LiveId" clId="{4CD91318-82F9-47D9-A550-9128902C7E88}" dt="2025-04-19T18:40:21.954" v="6681" actId="1076"/>
       <pc:docMkLst>
         <pc:docMk/>
       </pc:docMkLst>
@@ -192,25 +202,17 @@
         </pc:sldMkLst>
       </pc:sldChg>
       <pc:sldChg chg="addSp delSp modSp new mod modClrScheme chgLayout">
-        <pc:chgData name="Ryan Waterman" userId="9e326c9a568fa91a" providerId="LiveId" clId="{4CD91318-82F9-47D9-A550-9128902C7E88}" dt="2025-04-15T00:15:46.790" v="130" actId="20577"/>
+        <pc:chgData name="Ryan Waterman" userId="9e326c9a568fa91a" providerId="LiveId" clId="{4CD91318-82F9-47D9-A550-9128902C7E88}" dt="2025-04-19T16:59:43.831" v="4074" actId="1076"/>
         <pc:sldMkLst>
           <pc:docMk/>
           <pc:sldMk cId="2311745202" sldId="315"/>
         </pc:sldMkLst>
-        <pc:spChg chg="del mod ord">
-          <ac:chgData name="Ryan Waterman" userId="9e326c9a568fa91a" providerId="LiveId" clId="{4CD91318-82F9-47D9-A550-9128902C7E88}" dt="2025-04-15T00:07:28.949" v="63" actId="700"/>
+        <pc:spChg chg="add del">
+          <ac:chgData name="Ryan Waterman" userId="9e326c9a568fa91a" providerId="LiveId" clId="{4CD91318-82F9-47D9-A550-9128902C7E88}" dt="2025-04-19T15:53:57.006" v="448" actId="22"/>
           <ac:spMkLst>
             <pc:docMk/>
             <pc:sldMk cId="2311745202" sldId="315"/>
-            <ac:spMk id="2" creationId="{9FAC5C5D-4B2F-8AA1-5D2A-48441156335F}"/>
-          </ac:spMkLst>
-        </pc:spChg>
-        <pc:spChg chg="del mod ord">
-          <ac:chgData name="Ryan Waterman" userId="9e326c9a568fa91a" providerId="LiveId" clId="{4CD91318-82F9-47D9-A550-9128902C7E88}" dt="2025-04-15T00:07:28.949" v="63" actId="700"/>
-          <ac:spMkLst>
-            <pc:docMk/>
-            <pc:sldMk cId="2311745202" sldId="315"/>
-            <ac:spMk id="3" creationId="{380E6A5B-3E6F-277B-B837-8D2EAC1D9198}"/>
+            <ac:spMk id="3" creationId="{7F6DB5EE-9CCA-1917-7DB5-5DCF52FD4909}"/>
           </ac:spMkLst>
         </pc:spChg>
         <pc:spChg chg="mod ord">
@@ -229,22 +231,69 @@
             <ac:spMk id="5" creationId="{BFA08DC6-00C9-8ED5-9AFE-528F801CC2F1}"/>
           </ac:spMkLst>
         </pc:spChg>
-        <pc:spChg chg="add del mod ord">
-          <ac:chgData name="Ryan Waterman" userId="9e326c9a568fa91a" providerId="LiveId" clId="{4CD91318-82F9-47D9-A550-9128902C7E88}" dt="2025-04-15T00:14:29.254" v="64" actId="478"/>
-          <ac:spMkLst>
-            <pc:docMk/>
-            <pc:sldMk cId="2311745202" sldId="315"/>
-            <ac:spMk id="6" creationId="{FB6C7E81-3231-975B-6C5B-78C4CF3A4820}"/>
-          </ac:spMkLst>
-        </pc:spChg>
         <pc:spChg chg="add mod">
-          <ac:chgData name="Ryan Waterman" userId="9e326c9a568fa91a" providerId="LiveId" clId="{4CD91318-82F9-47D9-A550-9128902C7E88}" dt="2025-04-15T00:15:46.790" v="130" actId="20577"/>
+          <ac:chgData name="Ryan Waterman" userId="9e326c9a568fa91a" providerId="LiveId" clId="{4CD91318-82F9-47D9-A550-9128902C7E88}" dt="2025-04-19T16:59:43.831" v="4074" actId="1076"/>
           <ac:spMkLst>
             <pc:docMk/>
             <pc:sldMk cId="2311745202" sldId="315"/>
             <ac:spMk id="7" creationId="{092BC0DC-E8DE-32ED-EFA2-EDAD28E9FD74}"/>
           </ac:spMkLst>
         </pc:spChg>
+      </pc:sldChg>
+      <pc:sldChg chg="addSp delSp modSp add mod">
+        <pc:chgData name="Ryan Waterman" userId="9e326c9a568fa91a" providerId="LiveId" clId="{4CD91318-82F9-47D9-A550-9128902C7E88}" dt="2025-04-19T16:06:55.672" v="1141" actId="1076"/>
+        <pc:sldMkLst>
+          <pc:docMk/>
+          <pc:sldMk cId="2277609053" sldId="316"/>
+        </pc:sldMkLst>
+        <pc:spChg chg="mod">
+          <ac:chgData name="Ryan Waterman" userId="9e326c9a568fa91a" providerId="LiveId" clId="{4CD91318-82F9-47D9-A550-9128902C7E88}" dt="2025-04-19T16:01:29.255" v="610" actId="1076"/>
+          <ac:spMkLst>
+            <pc:docMk/>
+            <pc:sldMk cId="2277609053" sldId="316"/>
+            <ac:spMk id="5" creationId="{2CF02B4D-0422-737C-B0F3-021F6B76F6A6}"/>
+          </ac:spMkLst>
+        </pc:spChg>
+        <pc:spChg chg="add mod">
+          <ac:chgData name="Ryan Waterman" userId="9e326c9a568fa91a" providerId="LiveId" clId="{4CD91318-82F9-47D9-A550-9128902C7E88}" dt="2025-04-19T16:01:32.390" v="611" actId="1076"/>
+          <ac:spMkLst>
+            <pc:docMk/>
+            <pc:sldMk cId="2277609053" sldId="316"/>
+            <ac:spMk id="6" creationId="{9B328F47-ED6F-488F-1B82-970CAEBD56B0}"/>
+          </ac:spMkLst>
+        </pc:spChg>
+        <pc:spChg chg="del mod">
+          <ac:chgData name="Ryan Waterman" userId="9e326c9a568fa91a" providerId="LiveId" clId="{4CD91318-82F9-47D9-A550-9128902C7E88}" dt="2025-04-19T15:54:15.273" v="479" actId="478"/>
+          <ac:spMkLst>
+            <pc:docMk/>
+            <pc:sldMk cId="2277609053" sldId="316"/>
+            <ac:spMk id="7" creationId="{B77956F4-5481-CD2D-386D-6F56CDFF70EE}"/>
+          </ac:spMkLst>
+        </pc:spChg>
+        <pc:spChg chg="add mod">
+          <ac:chgData name="Ryan Waterman" userId="9e326c9a568fa91a" providerId="LiveId" clId="{4CD91318-82F9-47D9-A550-9128902C7E88}" dt="2025-04-19T16:06:55.672" v="1141" actId="1076"/>
+          <ac:spMkLst>
+            <pc:docMk/>
+            <pc:sldMk cId="2277609053" sldId="316"/>
+            <ac:spMk id="10" creationId="{90D62802-7C05-2A65-80F0-5449BFD178A4}"/>
+          </ac:spMkLst>
+        </pc:spChg>
+        <pc:picChg chg="add del mod">
+          <ac:chgData name="Ryan Waterman" userId="9e326c9a568fa91a" providerId="LiveId" clId="{4CD91318-82F9-47D9-A550-9128902C7E88}" dt="2025-04-19T15:55:31.360" v="508" actId="478"/>
+          <ac:picMkLst>
+            <pc:docMk/>
+            <pc:sldMk cId="2277609053" sldId="316"/>
+            <ac:picMk id="3" creationId="{1E4EF681-36AE-98DB-35FF-E54C5D8318E4}"/>
+          </ac:picMkLst>
+        </pc:picChg>
+        <pc:picChg chg="add mod">
+          <ac:chgData name="Ryan Waterman" userId="9e326c9a568fa91a" providerId="LiveId" clId="{4CD91318-82F9-47D9-A550-9128902C7E88}" dt="2025-04-19T16:06:52.259" v="1140" actId="1076"/>
+          <ac:picMkLst>
+            <pc:docMk/>
+            <pc:sldMk cId="2277609053" sldId="316"/>
+            <ac:picMk id="9" creationId="{DE09AE0D-9384-3ADC-81BA-756F1C24ED6F}"/>
+          </ac:picMkLst>
+        </pc:picChg>
       </pc:sldChg>
       <pc:sldChg chg="del">
         <pc:chgData name="Ryan Waterman" userId="9e326c9a568fa91a" providerId="LiveId" clId="{4CD91318-82F9-47D9-A550-9128902C7E88}" dt="2025-04-15T00:07:03.924" v="50" actId="47"/>
@@ -260,12 +309,193 @@
           <pc:sldMk cId="56176599" sldId="317"/>
         </pc:sldMkLst>
       </pc:sldChg>
+      <pc:sldChg chg="addSp delSp modSp add mod">
+        <pc:chgData name="Ryan Waterman" userId="9e326c9a568fa91a" providerId="LiveId" clId="{4CD91318-82F9-47D9-A550-9128902C7E88}" dt="2025-04-19T17:57:30.592" v="5149" actId="1076"/>
+        <pc:sldMkLst>
+          <pc:docMk/>
+          <pc:sldMk cId="2334940513" sldId="317"/>
+        </pc:sldMkLst>
+        <pc:spChg chg="add del mod">
+          <ac:chgData name="Ryan Waterman" userId="9e326c9a568fa91a" providerId="LiveId" clId="{4CD91318-82F9-47D9-A550-9128902C7E88}" dt="2025-04-19T15:59:41.196" v="594" actId="478"/>
+          <ac:spMkLst>
+            <pc:docMk/>
+            <pc:sldMk cId="2334940513" sldId="317"/>
+            <ac:spMk id="3" creationId="{43660AB5-410D-87A4-F39B-C2DEDF2E7046}"/>
+          </ac:spMkLst>
+        </pc:spChg>
+        <pc:spChg chg="del">
+          <ac:chgData name="Ryan Waterman" userId="9e326c9a568fa91a" providerId="LiveId" clId="{4CD91318-82F9-47D9-A550-9128902C7E88}" dt="2025-04-19T15:59:38.768" v="593" actId="478"/>
+          <ac:spMkLst>
+            <pc:docMk/>
+            <pc:sldMk cId="2334940513" sldId="317"/>
+            <ac:spMk id="5" creationId="{B82FF5B0-311B-C951-7358-EF5ED58275B6}"/>
+          </ac:spMkLst>
+        </pc:spChg>
+        <pc:spChg chg="add mod">
+          <ac:chgData name="Ryan Waterman" userId="9e326c9a568fa91a" providerId="LiveId" clId="{4CD91318-82F9-47D9-A550-9128902C7E88}" dt="2025-04-19T16:25:01.444" v="2302" actId="1076"/>
+          <ac:spMkLst>
+            <pc:docMk/>
+            <pc:sldMk cId="2334940513" sldId="317"/>
+            <ac:spMk id="6" creationId="{44DFA601-45A9-8E01-49C0-56CB726314AB}"/>
+          </ac:spMkLst>
+        </pc:spChg>
+        <pc:spChg chg="del">
+          <ac:chgData name="Ryan Waterman" userId="9e326c9a568fa91a" providerId="LiveId" clId="{4CD91318-82F9-47D9-A550-9128902C7E88}" dt="2025-04-19T15:59:37.334" v="592" actId="478"/>
+          <ac:spMkLst>
+            <pc:docMk/>
+            <pc:sldMk cId="2334940513" sldId="317"/>
+            <ac:spMk id="7" creationId="{8559CFBB-2262-BE17-4C7F-16BFAA603D60}"/>
+          </ac:spMkLst>
+        </pc:spChg>
+        <pc:spChg chg="add del mod">
+          <ac:chgData name="Ryan Waterman" userId="9e326c9a568fa91a" providerId="LiveId" clId="{4CD91318-82F9-47D9-A550-9128902C7E88}" dt="2025-04-19T16:18:52.305" v="1855" actId="478"/>
+          <ac:spMkLst>
+            <pc:docMk/>
+            <pc:sldMk cId="2334940513" sldId="317"/>
+            <ac:spMk id="8" creationId="{00693F92-EB6C-71A7-DBC9-8B35BF422816}"/>
+          </ac:spMkLst>
+        </pc:spChg>
+        <pc:spChg chg="add mod">
+          <ac:chgData name="Ryan Waterman" userId="9e326c9a568fa91a" providerId="LiveId" clId="{4CD91318-82F9-47D9-A550-9128902C7E88}" dt="2025-04-19T17:57:24.433" v="5147" actId="1076"/>
+          <ac:spMkLst>
+            <pc:docMk/>
+            <pc:sldMk cId="2334940513" sldId="317"/>
+            <ac:spMk id="13" creationId="{90A2F244-2731-ED0D-2FC3-8B5DD04B81EB}"/>
+          </ac:spMkLst>
+        </pc:spChg>
+        <pc:picChg chg="add del mod">
+          <ac:chgData name="Ryan Waterman" userId="9e326c9a568fa91a" providerId="LiveId" clId="{4CD91318-82F9-47D9-A550-9128902C7E88}" dt="2025-04-19T16:18:36.378" v="1850" actId="478"/>
+          <ac:picMkLst>
+            <pc:docMk/>
+            <pc:sldMk cId="2334940513" sldId="317"/>
+            <ac:picMk id="10" creationId="{D05F6756-FD2D-0C4C-8BDA-DC52BBEBECD2}"/>
+          </ac:picMkLst>
+        </pc:picChg>
+        <pc:picChg chg="add del mod">
+          <ac:chgData name="Ryan Waterman" userId="9e326c9a568fa91a" providerId="LiveId" clId="{4CD91318-82F9-47D9-A550-9128902C7E88}" dt="2025-04-19T17:57:05.835" v="5140" actId="478"/>
+          <ac:picMkLst>
+            <pc:docMk/>
+            <pc:sldMk cId="2334940513" sldId="317"/>
+            <ac:picMk id="12" creationId="{48CA37D6-7057-A720-95BB-6169819ABC01}"/>
+          </ac:picMkLst>
+        </pc:picChg>
+        <pc:picChg chg="add mod">
+          <ac:chgData name="Ryan Waterman" userId="9e326c9a568fa91a" providerId="LiveId" clId="{4CD91318-82F9-47D9-A550-9128902C7E88}" dt="2025-04-19T17:57:30.592" v="5149" actId="1076"/>
+          <ac:picMkLst>
+            <pc:docMk/>
+            <pc:sldMk cId="2334940513" sldId="317"/>
+            <ac:picMk id="15" creationId="{FC9E174F-48F0-9496-CB3E-494F6BDA5E24}"/>
+          </ac:picMkLst>
+        </pc:picChg>
+      </pc:sldChg>
       <pc:sldChg chg="del">
         <pc:chgData name="Ryan Waterman" userId="9e326c9a568fa91a" providerId="LiveId" clId="{4CD91318-82F9-47D9-A550-9128902C7E88}" dt="2025-04-15T00:07:05.675" v="53" actId="47"/>
         <pc:sldMkLst>
           <pc:docMk/>
           <pc:sldMk cId="412000632" sldId="318"/>
         </pc:sldMkLst>
+      </pc:sldChg>
+      <pc:sldChg chg="addSp delSp modSp add mod">
+        <pc:chgData name="Ryan Waterman" userId="9e326c9a568fa91a" providerId="LiveId" clId="{4CD91318-82F9-47D9-A550-9128902C7E88}" dt="2025-04-19T17:54:56.033" v="4890" actId="1076"/>
+        <pc:sldMkLst>
+          <pc:docMk/>
+          <pc:sldMk cId="1709749501" sldId="318"/>
+        </pc:sldMkLst>
+        <pc:spChg chg="mod">
+          <ac:chgData name="Ryan Waterman" userId="9e326c9a568fa91a" providerId="LiveId" clId="{4CD91318-82F9-47D9-A550-9128902C7E88}" dt="2025-04-19T17:54:52.375" v="4889" actId="1076"/>
+          <ac:spMkLst>
+            <pc:docMk/>
+            <pc:sldMk cId="1709749501" sldId="318"/>
+            <ac:spMk id="6" creationId="{C5720BE1-0FE1-5D5C-9582-AA69FD642127}"/>
+          </ac:spMkLst>
+        </pc:spChg>
+        <pc:spChg chg="mod">
+          <ac:chgData name="Ryan Waterman" userId="9e326c9a568fa91a" providerId="LiveId" clId="{4CD91318-82F9-47D9-A550-9128902C7E88}" dt="2025-04-19T16:20:46.591" v="1939" actId="20577"/>
+          <ac:spMkLst>
+            <pc:docMk/>
+            <pc:sldMk cId="1709749501" sldId="318"/>
+            <ac:spMk id="10" creationId="{3E68D9C5-5067-24EE-89EB-7D72FD7F4EC4}"/>
+          </ac:spMkLst>
+        </pc:spChg>
+        <pc:picChg chg="add del mod">
+          <ac:chgData name="Ryan Waterman" userId="9e326c9a568fa91a" providerId="LiveId" clId="{4CD91318-82F9-47D9-A550-9128902C7E88}" dt="2025-04-19T16:12:03.111" v="1520" actId="478"/>
+          <ac:picMkLst>
+            <pc:docMk/>
+            <pc:sldMk cId="1709749501" sldId="318"/>
+            <ac:picMk id="3" creationId="{A09ED06C-D7A5-632C-A66B-ABF52032CE5B}"/>
+          </ac:picMkLst>
+        </pc:picChg>
+        <pc:picChg chg="add del mod modCrop">
+          <ac:chgData name="Ryan Waterman" userId="9e326c9a568fa91a" providerId="LiveId" clId="{4CD91318-82F9-47D9-A550-9128902C7E88}" dt="2025-04-19T16:12:03.512" v="1521" actId="478"/>
+          <ac:picMkLst>
+            <pc:docMk/>
+            <pc:sldMk cId="1709749501" sldId="318"/>
+            <ac:picMk id="8" creationId="{C4E10BA0-A8E7-F37C-57C5-1AC237669B6D}"/>
+          </ac:picMkLst>
+        </pc:picChg>
+        <pc:picChg chg="del">
+          <ac:chgData name="Ryan Waterman" userId="9e326c9a568fa91a" providerId="LiveId" clId="{4CD91318-82F9-47D9-A550-9128902C7E88}" dt="2025-04-19T16:07:16.179" v="1143" actId="478"/>
+          <ac:picMkLst>
+            <pc:docMk/>
+            <pc:sldMk cId="1709749501" sldId="318"/>
+            <ac:picMk id="9" creationId="{7F85FA86-4A16-ACEB-DDCF-74CA0CDEF99C}"/>
+          </ac:picMkLst>
+        </pc:picChg>
+        <pc:picChg chg="add mod">
+          <ac:chgData name="Ryan Waterman" userId="9e326c9a568fa91a" providerId="LiveId" clId="{4CD91318-82F9-47D9-A550-9128902C7E88}" dt="2025-04-19T17:54:56.033" v="4890" actId="1076"/>
+          <ac:picMkLst>
+            <pc:docMk/>
+            <pc:sldMk cId="1709749501" sldId="318"/>
+            <ac:picMk id="12" creationId="{71C466BB-9C4C-5DED-CB0A-D4EC502860D8}"/>
+          </ac:picMkLst>
+        </pc:picChg>
+      </pc:sldChg>
+      <pc:sldChg chg="addSp delSp modSp add mod">
+        <pc:chgData name="Ryan Waterman" userId="9e326c9a568fa91a" providerId="LiveId" clId="{4CD91318-82F9-47D9-A550-9128902C7E88}" dt="2025-04-19T16:20:22.665" v="1929" actId="20577"/>
+        <pc:sldMkLst>
+          <pc:docMk/>
+          <pc:sldMk cId="793639534" sldId="319"/>
+        </pc:sldMkLst>
+        <pc:spChg chg="del">
+          <ac:chgData name="Ryan Waterman" userId="9e326c9a568fa91a" providerId="LiveId" clId="{4CD91318-82F9-47D9-A550-9128902C7E88}" dt="2025-04-19T16:13:49.158" v="1577" actId="478"/>
+          <ac:spMkLst>
+            <pc:docMk/>
+            <pc:sldMk cId="793639534" sldId="319"/>
+            <ac:spMk id="6" creationId="{AE6568F6-2C45-A794-4EB1-B94AA9E0F131}"/>
+          </ac:spMkLst>
+        </pc:spChg>
+        <pc:spChg chg="add mod">
+          <ac:chgData name="Ryan Waterman" userId="9e326c9a568fa91a" providerId="LiveId" clId="{4CD91318-82F9-47D9-A550-9128902C7E88}" dt="2025-04-19T16:13:52.613" v="1579" actId="1076"/>
+          <ac:spMkLst>
+            <pc:docMk/>
+            <pc:sldMk cId="793639534" sldId="319"/>
+            <ac:spMk id="7" creationId="{D4053FC4-C892-4331-014D-5F359830521F}"/>
+          </ac:spMkLst>
+        </pc:spChg>
+        <pc:spChg chg="mod">
+          <ac:chgData name="Ryan Waterman" userId="9e326c9a568fa91a" providerId="LiveId" clId="{4CD91318-82F9-47D9-A550-9128902C7E88}" dt="2025-04-19T16:20:22.665" v="1929" actId="20577"/>
+          <ac:spMkLst>
+            <pc:docMk/>
+            <pc:sldMk cId="793639534" sldId="319"/>
+            <ac:spMk id="10" creationId="{F6FF7CFD-BAA4-A4B4-82E6-BB22024D33C1}"/>
+          </ac:spMkLst>
+        </pc:spChg>
+        <pc:picChg chg="add mod">
+          <ac:chgData name="Ryan Waterman" userId="9e326c9a568fa91a" providerId="LiveId" clId="{4CD91318-82F9-47D9-A550-9128902C7E88}" dt="2025-04-19T16:13:30.656" v="1576" actId="1076"/>
+          <ac:picMkLst>
+            <pc:docMk/>
+            <pc:sldMk cId="793639534" sldId="319"/>
+            <ac:picMk id="3" creationId="{705B7460-1BBC-B72A-47FC-B38777D57865}"/>
+          </ac:picMkLst>
+        </pc:picChg>
+        <pc:picChg chg="del">
+          <ac:chgData name="Ryan Waterman" userId="9e326c9a568fa91a" providerId="LiveId" clId="{4CD91318-82F9-47D9-A550-9128902C7E88}" dt="2025-04-19T16:13:13.848" v="1571" actId="478"/>
+          <ac:picMkLst>
+            <pc:docMk/>
+            <pc:sldMk cId="793639534" sldId="319"/>
+            <ac:picMk id="12" creationId="{ABDCA203-4637-9E1C-CCC8-F24E157FC48A}"/>
+          </ac:picMkLst>
+        </pc:picChg>
       </pc:sldChg>
       <pc:sldChg chg="del">
         <pc:chgData name="Ryan Waterman" userId="9e326c9a568fa91a" providerId="LiveId" clId="{4CD91318-82F9-47D9-A550-9128902C7E88}" dt="2025-04-15T00:07:06.096" v="54" actId="47"/>
@@ -281,12 +511,106 @@
           <pc:sldMk cId="430403476" sldId="320"/>
         </pc:sldMkLst>
       </pc:sldChg>
+      <pc:sldChg chg="addSp delSp modSp add mod">
+        <pc:chgData name="Ryan Waterman" userId="9e326c9a568fa91a" providerId="LiveId" clId="{4CD91318-82F9-47D9-A550-9128902C7E88}" dt="2025-04-19T17:57:59.652" v="5156" actId="1076"/>
+        <pc:sldMkLst>
+          <pc:docMk/>
+          <pc:sldMk cId="2590757757" sldId="320"/>
+        </pc:sldMkLst>
+        <pc:spChg chg="mod">
+          <ac:chgData name="Ryan Waterman" userId="9e326c9a568fa91a" providerId="LiveId" clId="{4CD91318-82F9-47D9-A550-9128902C7E88}" dt="2025-04-19T16:25:09.466" v="2304" actId="20577"/>
+          <ac:spMkLst>
+            <pc:docMk/>
+            <pc:sldMk cId="2590757757" sldId="320"/>
+            <ac:spMk id="6" creationId="{BB907D26-182A-8AB5-F54D-15B2D7956715}"/>
+          </ac:spMkLst>
+        </pc:spChg>
+        <pc:spChg chg="mod">
+          <ac:chgData name="Ryan Waterman" userId="9e326c9a568fa91a" providerId="LiveId" clId="{4CD91318-82F9-47D9-A550-9128902C7E88}" dt="2025-04-19T16:29:28.270" v="2662" actId="20577"/>
+          <ac:spMkLst>
+            <pc:docMk/>
+            <pc:sldMk cId="2590757757" sldId="320"/>
+            <ac:spMk id="13" creationId="{4AC73AE6-E2F3-C897-70FE-5B59F2D59F2F}"/>
+          </ac:spMkLst>
+        </pc:spChg>
+        <pc:picChg chg="add del mod">
+          <ac:chgData name="Ryan Waterman" userId="9e326c9a568fa91a" providerId="LiveId" clId="{4CD91318-82F9-47D9-A550-9128902C7E88}" dt="2025-04-19T17:57:44.823" v="5150" actId="478"/>
+          <ac:picMkLst>
+            <pc:docMk/>
+            <pc:sldMk cId="2590757757" sldId="320"/>
+            <ac:picMk id="3" creationId="{AB872603-E9E5-46BC-24DB-CAC8510ADC1F}"/>
+          </ac:picMkLst>
+        </pc:picChg>
+        <pc:picChg chg="add mod">
+          <ac:chgData name="Ryan Waterman" userId="9e326c9a568fa91a" providerId="LiveId" clId="{4CD91318-82F9-47D9-A550-9128902C7E88}" dt="2025-04-19T17:57:59.652" v="5156" actId="1076"/>
+          <ac:picMkLst>
+            <pc:docMk/>
+            <pc:sldMk cId="2590757757" sldId="320"/>
+            <ac:picMk id="7" creationId="{21C2B34E-34DF-72AB-F566-BFD21312C5CD}"/>
+          </ac:picMkLst>
+        </pc:picChg>
+        <pc:picChg chg="del">
+          <ac:chgData name="Ryan Waterman" userId="9e326c9a568fa91a" providerId="LiveId" clId="{4CD91318-82F9-47D9-A550-9128902C7E88}" dt="2025-04-19T16:25:28.582" v="2305" actId="478"/>
+          <ac:picMkLst>
+            <pc:docMk/>
+            <pc:sldMk cId="2590757757" sldId="320"/>
+            <ac:picMk id="12" creationId="{26D431DC-4BF6-8D2D-2B77-CB026FF7E970}"/>
+          </ac:picMkLst>
+        </pc:picChg>
+      </pc:sldChg>
       <pc:sldChg chg="del">
         <pc:chgData name="Ryan Waterman" userId="9e326c9a568fa91a" providerId="LiveId" clId="{4CD91318-82F9-47D9-A550-9128902C7E88}" dt="2025-04-15T00:07:06.586" v="56" actId="47"/>
         <pc:sldMkLst>
           <pc:docMk/>
           <pc:sldMk cId="569699605" sldId="321"/>
         </pc:sldMkLst>
+      </pc:sldChg>
+      <pc:sldChg chg="addSp delSp modSp add mod">
+        <pc:chgData name="Ryan Waterman" userId="9e326c9a568fa91a" providerId="LiveId" clId="{4CD91318-82F9-47D9-A550-9128902C7E88}" dt="2025-04-19T17:58:41.886" v="5165" actId="20577"/>
+        <pc:sldMkLst>
+          <pc:docMk/>
+          <pc:sldMk cId="4204575061" sldId="321"/>
+        </pc:sldMkLst>
+        <pc:spChg chg="mod">
+          <ac:chgData name="Ryan Waterman" userId="9e326c9a568fa91a" providerId="LiveId" clId="{4CD91318-82F9-47D9-A550-9128902C7E88}" dt="2025-04-19T16:30:22.351" v="2668" actId="20577"/>
+          <ac:spMkLst>
+            <pc:docMk/>
+            <pc:sldMk cId="4204575061" sldId="321"/>
+            <ac:spMk id="6" creationId="{6D944F74-F683-B355-5442-4B8BB8CFAA12}"/>
+          </ac:spMkLst>
+        </pc:spChg>
+        <pc:spChg chg="add mod">
+          <ac:chgData name="Ryan Waterman" userId="9e326c9a568fa91a" providerId="LiveId" clId="{4CD91318-82F9-47D9-A550-9128902C7E88}" dt="2025-04-19T17:58:41.886" v="5165" actId="20577"/>
+          <ac:spMkLst>
+            <pc:docMk/>
+            <pc:sldMk cId="4204575061" sldId="321"/>
+            <ac:spMk id="7" creationId="{E006B0EB-C219-5AF3-3282-CA1FA6FAA289}"/>
+          </ac:spMkLst>
+        </pc:spChg>
+        <pc:spChg chg="del">
+          <ac:chgData name="Ryan Waterman" userId="9e326c9a568fa91a" providerId="LiveId" clId="{4CD91318-82F9-47D9-A550-9128902C7E88}" dt="2025-04-19T16:30:27.062" v="2669" actId="478"/>
+          <ac:spMkLst>
+            <pc:docMk/>
+            <pc:sldMk cId="4204575061" sldId="321"/>
+            <ac:spMk id="13" creationId="{EF762252-6DCF-B4E0-A9F7-2AB8A63C41C9}"/>
+          </ac:spMkLst>
+        </pc:spChg>
+        <pc:picChg chg="del">
+          <ac:chgData name="Ryan Waterman" userId="9e326c9a568fa91a" providerId="LiveId" clId="{4CD91318-82F9-47D9-A550-9128902C7E88}" dt="2025-04-19T16:30:27.594" v="2670" actId="478"/>
+          <ac:picMkLst>
+            <pc:docMk/>
+            <pc:sldMk cId="4204575061" sldId="321"/>
+            <ac:picMk id="3" creationId="{C5A6CD92-82F6-332C-86E1-8799CCEDAE59}"/>
+          </ac:picMkLst>
+        </pc:picChg>
+        <pc:picChg chg="add mod">
+          <ac:chgData name="Ryan Waterman" userId="9e326c9a568fa91a" providerId="LiveId" clId="{4CD91318-82F9-47D9-A550-9128902C7E88}" dt="2025-04-19T16:40:59.470" v="2674" actId="1076"/>
+          <ac:picMkLst>
+            <pc:docMk/>
+            <pc:sldMk cId="4204575061" sldId="321"/>
+            <ac:picMk id="5" creationId="{5C12BCD3-7A6D-5A68-C009-903F8393BD62}"/>
+          </ac:picMkLst>
+        </pc:picChg>
       </pc:sldChg>
       <pc:sldChg chg="del">
         <pc:chgData name="Ryan Waterman" userId="9e326c9a568fa91a" providerId="LiveId" clId="{4CD91318-82F9-47D9-A550-9128902C7E88}" dt="2025-04-15T00:07:06.850" v="57" actId="47"/>
@@ -295,12 +619,201 @@
           <pc:sldMk cId="1517447069" sldId="322"/>
         </pc:sldMkLst>
       </pc:sldChg>
+      <pc:sldChg chg="addSp delSp modSp add del mod">
+        <pc:chgData name="Ryan Waterman" userId="9e326c9a568fa91a" providerId="LiveId" clId="{4CD91318-82F9-47D9-A550-9128902C7E88}" dt="2025-04-19T17:59:00.542" v="5166" actId="47"/>
+        <pc:sldMkLst>
+          <pc:docMk/>
+          <pc:sldMk cId="1760285707" sldId="322"/>
+        </pc:sldMkLst>
+        <pc:spChg chg="add mod">
+          <ac:chgData name="Ryan Waterman" userId="9e326c9a568fa91a" providerId="LiveId" clId="{4CD91318-82F9-47D9-A550-9128902C7E88}" dt="2025-04-19T16:46:34.419" v="3185" actId="1076"/>
+          <ac:spMkLst>
+            <pc:docMk/>
+            <pc:sldMk cId="1760285707" sldId="322"/>
+            <ac:spMk id="3" creationId="{AEA1E432-C51A-4A16-F568-8640B03F1CD0}"/>
+          </ac:spMkLst>
+        </pc:spChg>
+        <pc:spChg chg="mod">
+          <ac:chgData name="Ryan Waterman" userId="9e326c9a568fa91a" providerId="LiveId" clId="{4CD91318-82F9-47D9-A550-9128902C7E88}" dt="2025-04-19T16:45:23.755" v="3118" actId="1076"/>
+          <ac:spMkLst>
+            <pc:docMk/>
+            <pc:sldMk cId="1760285707" sldId="322"/>
+            <ac:spMk id="6" creationId="{2C655DCD-A376-72CB-5777-0F00B4049E5D}"/>
+          </ac:spMkLst>
+        </pc:spChg>
+        <pc:spChg chg="del">
+          <ac:chgData name="Ryan Waterman" userId="9e326c9a568fa91a" providerId="LiveId" clId="{4CD91318-82F9-47D9-A550-9128902C7E88}" dt="2025-04-19T16:45:30.361" v="3120" actId="478"/>
+          <ac:spMkLst>
+            <pc:docMk/>
+            <pc:sldMk cId="1760285707" sldId="322"/>
+            <ac:spMk id="7" creationId="{4D5AB846-F3DB-40E2-12FE-D1803F013871}"/>
+          </ac:spMkLst>
+        </pc:spChg>
+        <pc:spChg chg="add mod">
+          <ac:chgData name="Ryan Waterman" userId="9e326c9a568fa91a" providerId="LiveId" clId="{4CD91318-82F9-47D9-A550-9128902C7E88}" dt="2025-04-19T16:48:26.675" v="3197" actId="1076"/>
+          <ac:spMkLst>
+            <pc:docMk/>
+            <pc:sldMk cId="1760285707" sldId="322"/>
+            <ac:spMk id="8" creationId="{B39F4C83-7057-31F3-F616-EB130A1107D5}"/>
+          </ac:spMkLst>
+        </pc:spChg>
+        <pc:spChg chg="add mod">
+          <ac:chgData name="Ryan Waterman" userId="9e326c9a568fa91a" providerId="LiveId" clId="{4CD91318-82F9-47D9-A550-9128902C7E88}" dt="2025-04-19T16:55:07.280" v="3706" actId="20577"/>
+          <ac:spMkLst>
+            <pc:docMk/>
+            <pc:sldMk cId="1760285707" sldId="322"/>
+            <ac:spMk id="9" creationId="{6C9A2022-F335-257D-98AB-3DEADAA3804D}"/>
+          </ac:spMkLst>
+        </pc:spChg>
+        <pc:spChg chg="add mod">
+          <ac:chgData name="Ryan Waterman" userId="9e326c9a568fa91a" providerId="LiveId" clId="{4CD91318-82F9-47D9-A550-9128902C7E88}" dt="2025-04-19T16:55:08.781" v="3707" actId="20577"/>
+          <ac:spMkLst>
+            <pc:docMk/>
+            <pc:sldMk cId="1760285707" sldId="322"/>
+            <ac:spMk id="10" creationId="{24525B8A-2C0A-510B-F65F-8A7AD008EEB7}"/>
+          </ac:spMkLst>
+        </pc:spChg>
+        <pc:spChg chg="add mod">
+          <ac:chgData name="Ryan Waterman" userId="9e326c9a568fa91a" providerId="LiveId" clId="{4CD91318-82F9-47D9-A550-9128902C7E88}" dt="2025-04-19T16:58:31.023" v="4049" actId="1076"/>
+          <ac:spMkLst>
+            <pc:docMk/>
+            <pc:sldMk cId="1760285707" sldId="322"/>
+            <ac:spMk id="11" creationId="{C3901C20-4BB4-107B-0937-984FE788564F}"/>
+          </ac:spMkLst>
+        </pc:spChg>
+        <pc:picChg chg="del">
+          <ac:chgData name="Ryan Waterman" userId="9e326c9a568fa91a" providerId="LiveId" clId="{4CD91318-82F9-47D9-A550-9128902C7E88}" dt="2025-04-19T16:45:29.108" v="3119" actId="478"/>
+          <ac:picMkLst>
+            <pc:docMk/>
+            <pc:sldMk cId="1760285707" sldId="322"/>
+            <ac:picMk id="5" creationId="{2187EF38-8628-184A-D56B-2AD626FD208A}"/>
+          </ac:picMkLst>
+        </pc:picChg>
+      </pc:sldChg>
+      <pc:sldChg chg="addSp modSp add mod">
+        <pc:chgData name="Ryan Waterman" userId="9e326c9a568fa91a" providerId="LiveId" clId="{4CD91318-82F9-47D9-A550-9128902C7E88}" dt="2025-04-19T18:02:38.815" v="5474" actId="20577"/>
+        <pc:sldMkLst>
+          <pc:docMk/>
+          <pc:sldMk cId="515915790" sldId="323"/>
+        </pc:sldMkLst>
+        <pc:spChg chg="add mod">
+          <ac:chgData name="Ryan Waterman" userId="9e326c9a568fa91a" providerId="LiveId" clId="{4CD91318-82F9-47D9-A550-9128902C7E88}" dt="2025-04-19T18:02:38.815" v="5474" actId="20577"/>
+          <ac:spMkLst>
+            <pc:docMk/>
+            <pc:sldMk cId="515915790" sldId="323"/>
+            <ac:spMk id="2" creationId="{B353F9A1-4E43-C248-B10F-45AD1D23FD5D}"/>
+          </ac:spMkLst>
+        </pc:spChg>
+        <pc:spChg chg="mod">
+          <ac:chgData name="Ryan Waterman" userId="9e326c9a568fa91a" providerId="LiveId" clId="{4CD91318-82F9-47D9-A550-9128902C7E88}" dt="2025-04-19T18:01:55.454" v="5463" actId="1076"/>
+          <ac:spMkLst>
+            <pc:docMk/>
+            <pc:sldMk cId="515915790" sldId="323"/>
+            <ac:spMk id="3" creationId="{FC380E5A-E40F-29D9-A0BA-BD7C67EAD7B5}"/>
+          </ac:spMkLst>
+        </pc:spChg>
+        <pc:spChg chg="mod">
+          <ac:chgData name="Ryan Waterman" userId="9e326c9a568fa91a" providerId="LiveId" clId="{4CD91318-82F9-47D9-A550-9128902C7E88}" dt="2025-04-19T18:01:59.030" v="5465" actId="1076"/>
+          <ac:spMkLst>
+            <pc:docMk/>
+            <pc:sldMk cId="515915790" sldId="323"/>
+            <ac:spMk id="8" creationId="{C3A1EC1F-1430-ACA3-0EAD-24AA0EEAEEEB}"/>
+          </ac:spMkLst>
+        </pc:spChg>
+        <pc:spChg chg="mod">
+          <ac:chgData name="Ryan Waterman" userId="9e326c9a568fa91a" providerId="LiveId" clId="{4CD91318-82F9-47D9-A550-9128902C7E88}" dt="2025-04-19T18:01:44.533" v="5461" actId="1076"/>
+          <ac:spMkLst>
+            <pc:docMk/>
+            <pc:sldMk cId="515915790" sldId="323"/>
+            <ac:spMk id="9" creationId="{D964E249-6C75-5030-3B25-439D49140C06}"/>
+          </ac:spMkLst>
+        </pc:spChg>
+        <pc:spChg chg="mod">
+          <ac:chgData name="Ryan Waterman" userId="9e326c9a568fa91a" providerId="LiveId" clId="{4CD91318-82F9-47D9-A550-9128902C7E88}" dt="2025-04-19T18:01:52.414" v="5462" actId="1076"/>
+          <ac:spMkLst>
+            <pc:docMk/>
+            <pc:sldMk cId="515915790" sldId="323"/>
+            <ac:spMk id="10" creationId="{DB83AE40-FC8F-9BB6-8F98-D91A2C29BB2E}"/>
+          </ac:spMkLst>
+        </pc:spChg>
+        <pc:spChg chg="mod">
+          <ac:chgData name="Ryan Waterman" userId="9e326c9a568fa91a" providerId="LiveId" clId="{4CD91318-82F9-47D9-A550-9128902C7E88}" dt="2025-04-19T18:02:22.749" v="5472" actId="1076"/>
+          <ac:spMkLst>
+            <pc:docMk/>
+            <pc:sldMk cId="515915790" sldId="323"/>
+            <ac:spMk id="11" creationId="{93697D03-90C1-5814-EDB6-5CB3A057065E}"/>
+          </ac:spMkLst>
+        </pc:spChg>
+      </pc:sldChg>
       <pc:sldChg chg="del">
         <pc:chgData name="Ryan Waterman" userId="9e326c9a568fa91a" providerId="LiveId" clId="{4CD91318-82F9-47D9-A550-9128902C7E88}" dt="2025-04-15T00:07:07.125" v="58" actId="47"/>
         <pc:sldMkLst>
           <pc:docMk/>
           <pc:sldMk cId="2149261472" sldId="323"/>
         </pc:sldMkLst>
+      </pc:sldChg>
+      <pc:sldChg chg="addSp delSp modSp add mod ord">
+        <pc:chgData name="Ryan Waterman" userId="9e326c9a568fa91a" providerId="LiveId" clId="{4CD91318-82F9-47D9-A550-9128902C7E88}" dt="2025-04-19T18:03:19.042" v="5484" actId="1076"/>
+        <pc:sldMkLst>
+          <pc:docMk/>
+          <pc:sldMk cId="1960888153" sldId="324"/>
+        </pc:sldMkLst>
+        <pc:spChg chg="del mod">
+          <ac:chgData name="Ryan Waterman" userId="9e326c9a568fa91a" providerId="LiveId" clId="{4CD91318-82F9-47D9-A550-9128902C7E88}" dt="2025-04-19T17:29:51.868" v="4259" actId="478"/>
+          <ac:spMkLst>
+            <pc:docMk/>
+            <pc:sldMk cId="1960888153" sldId="324"/>
+            <ac:spMk id="6" creationId="{6D97D34A-44E4-916D-6FBE-9A0A2D4C75C0}"/>
+          </ac:spMkLst>
+        </pc:spChg>
+        <pc:spChg chg="mod">
+          <ac:chgData name="Ryan Waterman" userId="9e326c9a568fa91a" providerId="LiveId" clId="{4CD91318-82F9-47D9-A550-9128902C7E88}" dt="2025-04-19T18:03:19.042" v="5484" actId="1076"/>
+          <ac:spMkLst>
+            <pc:docMk/>
+            <pc:sldMk cId="1960888153" sldId="324"/>
+            <ac:spMk id="7" creationId="{9497F845-7F85-F96F-95AE-08103AC76984}"/>
+          </ac:spMkLst>
+        </pc:spChg>
+        <pc:spChg chg="add del mod">
+          <ac:chgData name="Ryan Waterman" userId="9e326c9a568fa91a" providerId="LiveId" clId="{4CD91318-82F9-47D9-A550-9128902C7E88}" dt="2025-04-19T17:29:57.071" v="4260" actId="478"/>
+          <ac:spMkLst>
+            <pc:docMk/>
+            <pc:sldMk cId="1960888153" sldId="324"/>
+            <ac:spMk id="9" creationId="{26EF4528-5187-DEC5-67AA-AD13EEF8F39F}"/>
+          </ac:spMkLst>
+        </pc:spChg>
+        <pc:spChg chg="add mod">
+          <ac:chgData name="Ryan Waterman" userId="9e326c9a568fa91a" providerId="LiveId" clId="{4CD91318-82F9-47D9-A550-9128902C7E88}" dt="2025-04-19T17:30:10.674" v="4264" actId="1076"/>
+          <ac:spMkLst>
+            <pc:docMk/>
+            <pc:sldMk cId="1960888153" sldId="324"/>
+            <ac:spMk id="10" creationId="{3DFC99EC-A765-A3DC-085D-EFB20CC67016}"/>
+          </ac:spMkLst>
+        </pc:spChg>
+        <pc:picChg chg="add del mod">
+          <ac:chgData name="Ryan Waterman" userId="9e326c9a568fa91a" providerId="LiveId" clId="{4CD91318-82F9-47D9-A550-9128902C7E88}" dt="2025-04-19T17:54:07.405" v="4864" actId="478"/>
+          <ac:picMkLst>
+            <pc:docMk/>
+            <pc:sldMk cId="1960888153" sldId="324"/>
+            <ac:picMk id="3" creationId="{F76F2840-E681-E21E-62A6-35278584F2A1}"/>
+          </ac:picMkLst>
+        </pc:picChg>
+        <pc:picChg chg="del">
+          <ac:chgData name="Ryan Waterman" userId="9e326c9a568fa91a" providerId="LiveId" clId="{4CD91318-82F9-47D9-A550-9128902C7E88}" dt="2025-04-19T17:20:41.086" v="4080" actId="478"/>
+          <ac:picMkLst>
+            <pc:docMk/>
+            <pc:sldMk cId="1960888153" sldId="324"/>
+            <ac:picMk id="5" creationId="{06E725EF-5A95-0038-33C5-596CC1B08088}"/>
+          </ac:picMkLst>
+        </pc:picChg>
+        <pc:picChg chg="add mod">
+          <ac:chgData name="Ryan Waterman" userId="9e326c9a568fa91a" providerId="LiveId" clId="{4CD91318-82F9-47D9-A550-9128902C7E88}" dt="2025-04-19T18:03:12.590" v="5482" actId="14100"/>
+          <ac:picMkLst>
+            <pc:docMk/>
+            <pc:sldMk cId="1960888153" sldId="324"/>
+            <ac:picMk id="12" creationId="{6D7B4FC1-64EB-B995-00C1-740768672815}"/>
+          </ac:picMkLst>
+        </pc:picChg>
       </pc:sldChg>
       <pc:sldChg chg="del">
         <pc:chgData name="Ryan Waterman" userId="9e326c9a568fa91a" providerId="LiveId" clId="{4CD91318-82F9-47D9-A550-9128902C7E88}" dt="2025-04-15T00:07:07.692" v="59" actId="47"/>
@@ -309,12 +822,114 @@
           <pc:sldMk cId="2398406067" sldId="324"/>
         </pc:sldMkLst>
       </pc:sldChg>
+      <pc:sldChg chg="addSp delSp modSp add mod">
+        <pc:chgData name="Ryan Waterman" userId="9e326c9a568fa91a" providerId="LiveId" clId="{4CD91318-82F9-47D9-A550-9128902C7E88}" dt="2025-04-19T18:40:21.954" v="6681" actId="1076"/>
+        <pc:sldMkLst>
+          <pc:docMk/>
+          <pc:sldMk cId="826993316" sldId="325"/>
+        </pc:sldMkLst>
+        <pc:spChg chg="mod">
+          <ac:chgData name="Ryan Waterman" userId="9e326c9a568fa91a" providerId="LiveId" clId="{4CD91318-82F9-47D9-A550-9128902C7E88}" dt="2025-04-19T18:40:21.954" v="6681" actId="1076"/>
+          <ac:spMkLst>
+            <pc:docMk/>
+            <pc:sldMk cId="826993316" sldId="325"/>
+            <ac:spMk id="7" creationId="{91F95392-5611-A3A5-48CB-556C10A3F95D}"/>
+          </ac:spMkLst>
+        </pc:spChg>
+        <pc:spChg chg="mod">
+          <ac:chgData name="Ryan Waterman" userId="9e326c9a568fa91a" providerId="LiveId" clId="{4CD91318-82F9-47D9-A550-9128902C7E88}" dt="2025-04-19T17:32:04.601" v="4313" actId="1076"/>
+          <ac:spMkLst>
+            <pc:docMk/>
+            <pc:sldMk cId="826993316" sldId="325"/>
+            <ac:spMk id="10" creationId="{E51B4985-5A85-0617-95CB-6884AA415DFA}"/>
+          </ac:spMkLst>
+        </pc:spChg>
+        <pc:picChg chg="del">
+          <ac:chgData name="Ryan Waterman" userId="9e326c9a568fa91a" providerId="LiveId" clId="{4CD91318-82F9-47D9-A550-9128902C7E88}" dt="2025-04-19T17:31:26.949" v="4288" actId="478"/>
+          <ac:picMkLst>
+            <pc:docMk/>
+            <pc:sldMk cId="826993316" sldId="325"/>
+            <ac:picMk id="3" creationId="{89561682-4D7B-C15C-1526-1F777B6107F4}"/>
+          </ac:picMkLst>
+        </pc:picChg>
+        <pc:picChg chg="add mod">
+          <ac:chgData name="Ryan Waterman" userId="9e326c9a568fa91a" providerId="LiveId" clId="{4CD91318-82F9-47D9-A550-9128902C7E88}" dt="2025-04-19T17:31:36.784" v="4295" actId="1076"/>
+          <ac:picMkLst>
+            <pc:docMk/>
+            <pc:sldMk cId="826993316" sldId="325"/>
+            <ac:picMk id="5" creationId="{C72410FB-8291-F6B4-0167-3256282FAD8F}"/>
+          </ac:picMkLst>
+        </pc:picChg>
+      </pc:sldChg>
       <pc:sldChg chg="del">
         <pc:chgData name="Ryan Waterman" userId="9e326c9a568fa91a" providerId="LiveId" clId="{4CD91318-82F9-47D9-A550-9128902C7E88}" dt="2025-04-15T00:07:08.253" v="60" actId="47"/>
         <pc:sldMkLst>
           <pc:docMk/>
           <pc:sldMk cId="2323500703" sldId="325"/>
         </pc:sldMkLst>
+      </pc:sldChg>
+      <pc:sldChg chg="addSp delSp modSp add mod">
+        <pc:chgData name="Ryan Waterman" userId="9e326c9a568fa91a" providerId="LiveId" clId="{4CD91318-82F9-47D9-A550-9128902C7E88}" dt="2025-04-19T18:39:09.918" v="6550" actId="20577"/>
+        <pc:sldMkLst>
+          <pc:docMk/>
+          <pc:sldMk cId="3853234127" sldId="326"/>
+        </pc:sldMkLst>
+        <pc:spChg chg="add mod">
+          <ac:chgData name="Ryan Waterman" userId="9e326c9a568fa91a" providerId="LiveId" clId="{4CD91318-82F9-47D9-A550-9128902C7E88}" dt="2025-04-19T18:30:49.846" v="5911" actId="20577"/>
+          <ac:spMkLst>
+            <pc:docMk/>
+            <pc:sldMk cId="3853234127" sldId="326"/>
+            <ac:spMk id="3" creationId="{D1E00D24-4DC7-6C73-4CCA-677E67A7655E}"/>
+          </ac:spMkLst>
+        </pc:spChg>
+        <pc:spChg chg="add del mod">
+          <ac:chgData name="Ryan Waterman" userId="9e326c9a568fa91a" providerId="LiveId" clId="{4CD91318-82F9-47D9-A550-9128902C7E88}" dt="2025-04-19T18:28:51.052" v="5690" actId="478"/>
+          <ac:spMkLst>
+            <pc:docMk/>
+            <pc:sldMk cId="3853234127" sldId="326"/>
+            <ac:spMk id="6" creationId="{C69D4059-700C-1B4C-C3EE-2E0D6D9842AC}"/>
+          </ac:spMkLst>
+        </pc:spChg>
+        <pc:spChg chg="del">
+          <ac:chgData name="Ryan Waterman" userId="9e326c9a568fa91a" providerId="LiveId" clId="{4CD91318-82F9-47D9-A550-9128902C7E88}" dt="2025-04-19T17:33:39.374" v="4480" actId="478"/>
+          <ac:spMkLst>
+            <pc:docMk/>
+            <pc:sldMk cId="3853234127" sldId="326"/>
+            <ac:spMk id="7" creationId="{0677C976-5832-C831-50A5-4B58221985AB}"/>
+          </ac:spMkLst>
+        </pc:spChg>
+        <pc:spChg chg="add mod">
+          <ac:chgData name="Ryan Waterman" userId="9e326c9a568fa91a" providerId="LiveId" clId="{4CD91318-82F9-47D9-A550-9128902C7E88}" dt="2025-04-19T18:39:09.918" v="6550" actId="20577"/>
+          <ac:spMkLst>
+            <pc:docMk/>
+            <pc:sldMk cId="3853234127" sldId="326"/>
+            <ac:spMk id="8" creationId="{A4A23FBD-0DA2-9800-B1D3-F83FFE58C133}"/>
+          </ac:spMkLst>
+        </pc:spChg>
+        <pc:spChg chg="mod">
+          <ac:chgData name="Ryan Waterman" userId="9e326c9a568fa91a" providerId="LiveId" clId="{4CD91318-82F9-47D9-A550-9128902C7E88}" dt="2025-04-19T17:33:55.236" v="4483" actId="1076"/>
+          <ac:spMkLst>
+            <pc:docMk/>
+            <pc:sldMk cId="3853234127" sldId="326"/>
+            <ac:spMk id="10" creationId="{F2DC67FA-6F9E-7E9E-9D69-44A4F564E4CD}"/>
+          </ac:spMkLst>
+        </pc:spChg>
+        <pc:graphicFrameChg chg="add mod modGraphic">
+          <ac:chgData name="Ryan Waterman" userId="9e326c9a568fa91a" providerId="LiveId" clId="{4CD91318-82F9-47D9-A550-9128902C7E88}" dt="2025-04-19T18:39:01.908" v="6549" actId="1076"/>
+          <ac:graphicFrameMkLst>
+            <pc:docMk/>
+            <pc:sldMk cId="3853234127" sldId="326"/>
+            <ac:graphicFrameMk id="2" creationId="{45B0B02E-6860-7CC1-DB2F-BDC9C6BFA913}"/>
+          </ac:graphicFrameMkLst>
+        </pc:graphicFrameChg>
+        <pc:picChg chg="del">
+          <ac:chgData name="Ryan Waterman" userId="9e326c9a568fa91a" providerId="LiveId" clId="{4CD91318-82F9-47D9-A550-9128902C7E88}" dt="2025-04-19T17:33:31.816" v="4469" actId="478"/>
+          <ac:picMkLst>
+            <pc:docMk/>
+            <pc:sldMk cId="3853234127" sldId="326"/>
+            <ac:picMk id="5" creationId="{3D2325D7-0E35-00CF-4644-C8EC30753A6C}"/>
+          </ac:picMkLst>
+        </pc:picChg>
       </pc:sldChg>
     </pc:docChg>
   </pc:docChgLst>
@@ -415,7 +1030,7 @@
           <a:p>
             <a:fld id="{F352A77B-D33C-49B3-A83C-450AA2ED72B3}" type="datetimeFigureOut">
               <a:rPr lang="en-US" smtClean="0"/>
-              <a:t>4/14/2025</a:t>
+              <a:t>4/19/2025</a:t>
             </a:fld>
             <a:endParaRPr lang="en-US" dirty="0"/>
           </a:p>
@@ -592,7 +1207,7 @@
           <a:p>
             <a:fld id="{E38D8F9A-F5CB-4EF8-A859-ED5E107B9763}" type="datetimeFigureOut">
               <a:rPr lang="en-US" smtClean="0"/>
-              <a:t>4/14/2025</a:t>
+              <a:t>4/19/2025</a:t>
             </a:fld>
             <a:endParaRPr lang="en-US" dirty="0"/>
           </a:p>
@@ -5857,6 +6472,966 @@
 </p:sld>
 </file>
 
+<file path=ppt/slides/slide10.xml><?xml version="1.0" encoding="utf-8"?>
+<p:sld xmlns:a="http://schemas.openxmlformats.org/drawingml/2006/main" xmlns:r="http://schemas.openxmlformats.org/officeDocument/2006/relationships" xmlns:p="http://schemas.openxmlformats.org/presentationml/2006/main">
+  <p:cSld>
+    <p:spTree>
+      <p:nvGrpSpPr>
+        <p:cNvPr id="1" name="">
+          <a:extLst>
+            <a:ext uri="{FF2B5EF4-FFF2-40B4-BE49-F238E27FC236}">
+              <a16:creationId xmlns:a16="http://schemas.microsoft.com/office/drawing/2014/main" id="{0DABE868-24C4-C284-0A46-BEDDC9325C4B}"/>
+            </a:ext>
+          </a:extLst>
+        </p:cNvPr>
+        <p:cNvGrpSpPr/>
+        <p:nvPr/>
+      </p:nvGrpSpPr>
+      <p:grpSpPr>
+        <a:xfrm>
+          <a:off x="0" y="0"/>
+          <a:ext cx="0" cy="0"/>
+          <a:chOff x="0" y="0"/>
+          <a:chExt cx="0" cy="0"/>
+        </a:xfrm>
+      </p:grpSpPr>
+      <p:sp>
+        <p:nvSpPr>
+          <p:cNvPr id="4" name="Slide Number Placeholder 3">
+            <a:extLst>
+              <a:ext uri="{FF2B5EF4-FFF2-40B4-BE49-F238E27FC236}">
+                <a16:creationId xmlns:a16="http://schemas.microsoft.com/office/drawing/2014/main" id="{0DEB81FB-5A64-338F-700E-1AD199A58088}"/>
+              </a:ext>
+            </a:extLst>
+          </p:cNvPr>
+          <p:cNvSpPr>
+            <a:spLocks noGrp="1"/>
+          </p:cNvSpPr>
+          <p:nvPr>
+            <p:ph type="sldNum" sz="quarter" idx="4294967295"/>
+          </p:nvPr>
+        </p:nvSpPr>
+        <p:spPr>
+          <a:xfrm>
+            <a:off x="0" y="6246813"/>
+            <a:ext cx="631825" cy="295275"/>
+          </a:xfrm>
+        </p:spPr>
+        <p:txBody>
+          <a:bodyPr/>
+          <a:lstStyle/>
+          <a:p>
+            <a:fld id="{B5CEABB6-07DC-46E8-9B57-56EC44A396E5}" type="slidenum">
+              <a:rPr lang="en-US" smtClean="0"/>
+              <a:pPr/>
+              <a:t>10</a:t>
+            </a:fld>
+            <a:endParaRPr lang="en-US" dirty="0"/>
+          </a:p>
+        </p:txBody>
+      </p:sp>
+      <p:sp>
+        <p:nvSpPr>
+          <p:cNvPr id="7" name="TextBox 6">
+            <a:extLst>
+              <a:ext uri="{FF2B5EF4-FFF2-40B4-BE49-F238E27FC236}">
+                <a16:creationId xmlns:a16="http://schemas.microsoft.com/office/drawing/2014/main" id="{9497F845-7F85-F96F-95AE-08103AC76984}"/>
+              </a:ext>
+            </a:extLst>
+          </p:cNvPr>
+          <p:cNvSpPr txBox="1"/>
+          <p:nvPr/>
+        </p:nvSpPr>
+        <p:spPr>
+          <a:xfrm>
+            <a:off x="464882" y="3671903"/>
+            <a:ext cx="3568819" cy="923330"/>
+          </a:xfrm>
+          <a:prstGeom prst="rect">
+            <a:avLst/>
+          </a:prstGeom>
+          <a:noFill/>
+        </p:spPr>
+        <p:txBody>
+          <a:bodyPr wrap="square" rtlCol="0">
+            <a:spAutoFit/>
+          </a:bodyPr>
+          <a:lstStyle/>
+          <a:p>
+            <a:r>
+              <a:rPr lang="en-US" dirty="0">
+                <a:solidFill>
+                  <a:schemeClr val="bg1"/>
+                </a:solidFill>
+              </a:rPr>
+              <a:t>The expert level, small company salary has been corrected to fit the trends within the data set.</a:t>
+            </a:r>
+          </a:p>
+        </p:txBody>
+      </p:sp>
+      <p:sp>
+        <p:nvSpPr>
+          <p:cNvPr id="10" name="Title 4">
+            <a:extLst>
+              <a:ext uri="{FF2B5EF4-FFF2-40B4-BE49-F238E27FC236}">
+                <a16:creationId xmlns:a16="http://schemas.microsoft.com/office/drawing/2014/main" id="{3DFC99EC-A765-A3DC-085D-EFB20CC67016}"/>
+              </a:ext>
+            </a:extLst>
+          </p:cNvPr>
+          <p:cNvSpPr>
+            <a:spLocks noGrp="1"/>
+          </p:cNvSpPr>
+          <p:nvPr>
+            <p:ph type="title"/>
+          </p:nvPr>
+        </p:nvSpPr>
+        <p:spPr>
+          <a:xfrm>
+            <a:off x="2249292" y="75157"/>
+            <a:ext cx="9477722" cy="583367"/>
+          </a:xfrm>
+        </p:spPr>
+        <p:txBody>
+          <a:bodyPr>
+            <a:noAutofit/>
+          </a:bodyPr>
+          <a:lstStyle/>
+          <a:p>
+            <a:pPr algn="ctr"/>
+            <a:r>
+              <a:rPr lang="en-US" sz="2800" dirty="0">
+                <a:solidFill>
+                  <a:schemeClr val="bg1"/>
+                </a:solidFill>
+              </a:rPr>
+              <a:t>Predicting Expert Salaries for Small US Companies</a:t>
+            </a:r>
+            <a:endParaRPr lang="en-US" sz="2800" dirty="0"/>
+          </a:p>
+        </p:txBody>
+      </p:sp>
+      <p:pic>
+        <p:nvPicPr>
+          <p:cNvPr id="12" name="Picture 11">
+            <a:extLst>
+              <a:ext uri="{FF2B5EF4-FFF2-40B4-BE49-F238E27FC236}">
+                <a16:creationId xmlns:a16="http://schemas.microsoft.com/office/drawing/2014/main" id="{6D7B4FC1-64EB-B995-00C1-740768672815}"/>
+              </a:ext>
+            </a:extLst>
+          </p:cNvPr>
+          <p:cNvPicPr>
+            <a:picLocks noChangeAspect="1"/>
+          </p:cNvPicPr>
+          <p:nvPr/>
+        </p:nvPicPr>
+        <p:blipFill>
+          <a:blip r:embed="rId2"/>
+          <a:stretch>
+            <a:fillRect/>
+          </a:stretch>
+        </p:blipFill>
+        <p:spPr>
+          <a:xfrm>
+            <a:off x="4091439" y="656605"/>
+            <a:ext cx="8038163" cy="6126238"/>
+          </a:xfrm>
+          <a:prstGeom prst="rect">
+            <a:avLst/>
+          </a:prstGeom>
+        </p:spPr>
+      </p:pic>
+    </p:spTree>
+    <p:extLst>
+      <p:ext uri="{BB962C8B-B14F-4D97-AF65-F5344CB8AC3E}">
+        <p14:creationId xmlns:p14="http://schemas.microsoft.com/office/powerpoint/2010/main" val="1960888153"/>
+      </p:ext>
+    </p:extLst>
+  </p:cSld>
+  <p:clrMapOvr>
+    <a:masterClrMapping/>
+  </p:clrMapOvr>
+</p:sld>
+</file>
+
+<file path=ppt/slides/slide11.xml><?xml version="1.0" encoding="utf-8"?>
+<p:sld xmlns:a="http://schemas.openxmlformats.org/drawingml/2006/main" xmlns:r="http://schemas.openxmlformats.org/officeDocument/2006/relationships" xmlns:p="http://schemas.openxmlformats.org/presentationml/2006/main">
+  <p:cSld>
+    <p:spTree>
+      <p:nvGrpSpPr>
+        <p:cNvPr id="1" name="">
+          <a:extLst>
+            <a:ext uri="{FF2B5EF4-FFF2-40B4-BE49-F238E27FC236}">
+              <a16:creationId xmlns:a16="http://schemas.microsoft.com/office/drawing/2014/main" id="{5741CA09-13AB-3F10-551B-7EAEA369113F}"/>
+            </a:ext>
+          </a:extLst>
+        </p:cNvPr>
+        <p:cNvGrpSpPr/>
+        <p:nvPr/>
+      </p:nvGrpSpPr>
+      <p:grpSpPr>
+        <a:xfrm>
+          <a:off x="0" y="0"/>
+          <a:ext cx="0" cy="0"/>
+          <a:chOff x="0" y="0"/>
+          <a:chExt cx="0" cy="0"/>
+        </a:xfrm>
+      </p:grpSpPr>
+      <p:sp>
+        <p:nvSpPr>
+          <p:cNvPr id="4" name="Slide Number Placeholder 3">
+            <a:extLst>
+              <a:ext uri="{FF2B5EF4-FFF2-40B4-BE49-F238E27FC236}">
+                <a16:creationId xmlns:a16="http://schemas.microsoft.com/office/drawing/2014/main" id="{E082EC14-7FD2-AC67-3AB1-496E0DF34D90}"/>
+              </a:ext>
+            </a:extLst>
+          </p:cNvPr>
+          <p:cNvSpPr>
+            <a:spLocks noGrp="1"/>
+          </p:cNvSpPr>
+          <p:nvPr>
+            <p:ph type="sldNum" sz="quarter" idx="4294967295"/>
+          </p:nvPr>
+        </p:nvSpPr>
+        <p:spPr>
+          <a:xfrm>
+            <a:off x="0" y="6246813"/>
+            <a:ext cx="631825" cy="295275"/>
+          </a:xfrm>
+        </p:spPr>
+        <p:txBody>
+          <a:bodyPr/>
+          <a:lstStyle/>
+          <a:p>
+            <a:fld id="{B5CEABB6-07DC-46E8-9B57-56EC44A396E5}" type="slidenum">
+              <a:rPr lang="en-US" smtClean="0"/>
+              <a:pPr/>
+              <a:t>11</a:t>
+            </a:fld>
+            <a:endParaRPr lang="en-US" dirty="0"/>
+          </a:p>
+        </p:txBody>
+      </p:sp>
+      <p:sp>
+        <p:nvSpPr>
+          <p:cNvPr id="7" name="TextBox 6">
+            <a:extLst>
+              <a:ext uri="{FF2B5EF4-FFF2-40B4-BE49-F238E27FC236}">
+                <a16:creationId xmlns:a16="http://schemas.microsoft.com/office/drawing/2014/main" id="{91F95392-5611-A3A5-48CB-556C10A3F95D}"/>
+              </a:ext>
+            </a:extLst>
+          </p:cNvPr>
+          <p:cNvSpPr txBox="1"/>
+          <p:nvPr/>
+        </p:nvSpPr>
+        <p:spPr>
+          <a:xfrm>
+            <a:off x="460136" y="3643522"/>
+            <a:ext cx="3671349" cy="3139321"/>
+          </a:xfrm>
+          <a:prstGeom prst="rect">
+            <a:avLst/>
+          </a:prstGeom>
+          <a:noFill/>
+        </p:spPr>
+        <p:txBody>
+          <a:bodyPr wrap="square" rtlCol="0">
+            <a:spAutoFit/>
+          </a:bodyPr>
+          <a:lstStyle/>
+          <a:p>
+            <a:pPr marL="285750" indent="-285750">
+              <a:buFont typeface="Arial" panose="020B0604020202020204" pitchFamily="34" charset="0"/>
+              <a:buChar char="•"/>
+            </a:pPr>
+            <a:r>
+              <a:rPr lang="en-US" dirty="0">
+                <a:solidFill>
+                  <a:schemeClr val="bg1"/>
+                </a:solidFill>
+              </a:rPr>
+              <a:t>Senior Level mean pay is about $90,000 USD.</a:t>
+            </a:r>
+          </a:p>
+          <a:p>
+            <a:pPr marL="285750" indent="-285750">
+              <a:buFont typeface="Arial" panose="020B0604020202020204" pitchFamily="34" charset="0"/>
+              <a:buChar char="•"/>
+            </a:pPr>
+            <a:r>
+              <a:rPr lang="en-US" dirty="0">
+                <a:solidFill>
+                  <a:schemeClr val="bg1"/>
+                </a:solidFill>
+              </a:rPr>
+              <a:t>Remote work is likely not ideal, depending on the infrastructure at the company</a:t>
+            </a:r>
+          </a:p>
+          <a:p>
+            <a:pPr marL="285750" indent="-285750">
+              <a:buFont typeface="Arial" panose="020B0604020202020204" pitchFamily="34" charset="0"/>
+              <a:buChar char="•"/>
+            </a:pPr>
+            <a:r>
+              <a:rPr lang="en-US" dirty="0">
+                <a:solidFill>
+                  <a:schemeClr val="bg1"/>
+                </a:solidFill>
+              </a:rPr>
+              <a:t>No data on expert level positions</a:t>
+            </a:r>
+          </a:p>
+          <a:p>
+            <a:pPr marL="742950" lvl="1" indent="-285750">
+              <a:buFont typeface="Arial" panose="020B0604020202020204" pitchFamily="34" charset="0"/>
+              <a:buChar char="•"/>
+            </a:pPr>
+            <a:r>
+              <a:rPr lang="en-US" dirty="0">
+                <a:solidFill>
+                  <a:schemeClr val="bg1"/>
+                </a:solidFill>
+              </a:rPr>
+              <a:t>Data set is too small to attempt predictive modeling</a:t>
+            </a:r>
+          </a:p>
+          <a:p>
+            <a:endParaRPr lang="en-US" dirty="0">
+              <a:solidFill>
+                <a:schemeClr val="bg1"/>
+              </a:solidFill>
+            </a:endParaRPr>
+          </a:p>
+        </p:txBody>
+      </p:sp>
+      <p:sp>
+        <p:nvSpPr>
+          <p:cNvPr id="10" name="Title 4">
+            <a:extLst>
+              <a:ext uri="{FF2B5EF4-FFF2-40B4-BE49-F238E27FC236}">
+                <a16:creationId xmlns:a16="http://schemas.microsoft.com/office/drawing/2014/main" id="{E51B4985-5A85-0617-95CB-6884AA415DFA}"/>
+              </a:ext>
+            </a:extLst>
+          </p:cNvPr>
+          <p:cNvSpPr>
+            <a:spLocks noGrp="1"/>
+          </p:cNvSpPr>
+          <p:nvPr>
+            <p:ph type="title"/>
+          </p:nvPr>
+        </p:nvSpPr>
+        <p:spPr>
+          <a:xfrm>
+            <a:off x="2606174" y="155250"/>
+            <a:ext cx="8126146" cy="583367"/>
+          </a:xfrm>
+        </p:spPr>
+        <p:txBody>
+          <a:bodyPr>
+            <a:noAutofit/>
+          </a:bodyPr>
+          <a:lstStyle/>
+          <a:p>
+            <a:pPr algn="ctr"/>
+            <a:r>
+              <a:rPr lang="en-US" sz="2800" dirty="0"/>
+              <a:t>Analysis of Mean pay for Remote workers</a:t>
+            </a:r>
+          </a:p>
+        </p:txBody>
+      </p:sp>
+      <p:pic>
+        <p:nvPicPr>
+          <p:cNvPr id="5" name="Picture 4">
+            <a:extLst>
+              <a:ext uri="{FF2B5EF4-FFF2-40B4-BE49-F238E27FC236}">
+                <a16:creationId xmlns:a16="http://schemas.microsoft.com/office/drawing/2014/main" id="{C72410FB-8291-F6B4-0167-3256282FAD8F}"/>
+              </a:ext>
+            </a:extLst>
+          </p:cNvPr>
+          <p:cNvPicPr>
+            <a:picLocks noChangeAspect="1"/>
+          </p:cNvPicPr>
+          <p:nvPr/>
+        </p:nvPicPr>
+        <p:blipFill>
+          <a:blip r:embed="rId2"/>
+          <a:stretch>
+            <a:fillRect/>
+          </a:stretch>
+        </p:blipFill>
+        <p:spPr>
+          <a:xfrm>
+            <a:off x="4364083" y="1266399"/>
+            <a:ext cx="7698774" cy="5516444"/>
+          </a:xfrm>
+          <a:prstGeom prst="rect">
+            <a:avLst/>
+          </a:prstGeom>
+        </p:spPr>
+      </p:pic>
+    </p:spTree>
+    <p:extLst>
+      <p:ext uri="{BB962C8B-B14F-4D97-AF65-F5344CB8AC3E}">
+        <p14:creationId xmlns:p14="http://schemas.microsoft.com/office/powerpoint/2010/main" val="826993316"/>
+      </p:ext>
+    </p:extLst>
+  </p:cSld>
+  <p:clrMapOvr>
+    <a:masterClrMapping/>
+  </p:clrMapOvr>
+</p:sld>
+</file>
+
+<file path=ppt/slides/slide12.xml><?xml version="1.0" encoding="utf-8"?>
+<p:sld xmlns:a="http://schemas.openxmlformats.org/drawingml/2006/main" xmlns:r="http://schemas.openxmlformats.org/officeDocument/2006/relationships" xmlns:p="http://schemas.openxmlformats.org/presentationml/2006/main">
+  <p:cSld>
+    <p:spTree>
+      <p:nvGrpSpPr>
+        <p:cNvPr id="1" name="">
+          <a:extLst>
+            <a:ext uri="{FF2B5EF4-FFF2-40B4-BE49-F238E27FC236}">
+              <a16:creationId xmlns:a16="http://schemas.microsoft.com/office/drawing/2014/main" id="{BA1E2B9F-7AF5-992B-9B3B-E1EBC840D94D}"/>
+            </a:ext>
+          </a:extLst>
+        </p:cNvPr>
+        <p:cNvGrpSpPr/>
+        <p:nvPr/>
+      </p:nvGrpSpPr>
+      <p:grpSpPr>
+        <a:xfrm>
+          <a:off x="0" y="0"/>
+          <a:ext cx="0" cy="0"/>
+          <a:chOff x="0" y="0"/>
+          <a:chExt cx="0" cy="0"/>
+        </a:xfrm>
+      </p:grpSpPr>
+      <p:sp>
+        <p:nvSpPr>
+          <p:cNvPr id="4" name="Slide Number Placeholder 3">
+            <a:extLst>
+              <a:ext uri="{FF2B5EF4-FFF2-40B4-BE49-F238E27FC236}">
+                <a16:creationId xmlns:a16="http://schemas.microsoft.com/office/drawing/2014/main" id="{EA44BC86-5EBF-7CBF-F44F-C005335B01FA}"/>
+              </a:ext>
+            </a:extLst>
+          </p:cNvPr>
+          <p:cNvSpPr>
+            <a:spLocks noGrp="1"/>
+          </p:cNvSpPr>
+          <p:nvPr>
+            <p:ph type="sldNum" sz="quarter" idx="4294967295"/>
+          </p:nvPr>
+        </p:nvSpPr>
+        <p:spPr>
+          <a:xfrm>
+            <a:off x="0" y="6246813"/>
+            <a:ext cx="631825" cy="295275"/>
+          </a:xfrm>
+        </p:spPr>
+        <p:txBody>
+          <a:bodyPr/>
+          <a:lstStyle/>
+          <a:p>
+            <a:fld id="{B5CEABB6-07DC-46E8-9B57-56EC44A396E5}" type="slidenum">
+              <a:rPr lang="en-US" smtClean="0"/>
+              <a:pPr/>
+              <a:t>12</a:t>
+            </a:fld>
+            <a:endParaRPr lang="en-US" dirty="0"/>
+          </a:p>
+        </p:txBody>
+      </p:sp>
+      <p:sp>
+        <p:nvSpPr>
+          <p:cNvPr id="10" name="Title 4">
+            <a:extLst>
+              <a:ext uri="{FF2B5EF4-FFF2-40B4-BE49-F238E27FC236}">
+                <a16:creationId xmlns:a16="http://schemas.microsoft.com/office/drawing/2014/main" id="{F2DC67FA-6F9E-7E9E-9D69-44A4F564E4CD}"/>
+              </a:ext>
+            </a:extLst>
+          </p:cNvPr>
+          <p:cNvSpPr>
+            <a:spLocks noGrp="1"/>
+          </p:cNvSpPr>
+          <p:nvPr>
+            <p:ph type="title"/>
+          </p:nvPr>
+        </p:nvSpPr>
+        <p:spPr>
+          <a:xfrm>
+            <a:off x="4128605" y="175273"/>
+            <a:ext cx="3934790" cy="583367"/>
+          </a:xfrm>
+        </p:spPr>
+        <p:txBody>
+          <a:bodyPr>
+            <a:noAutofit/>
+          </a:bodyPr>
+          <a:lstStyle/>
+          <a:p>
+            <a:pPr algn="ctr"/>
+            <a:r>
+              <a:rPr lang="en-US" sz="4000" dirty="0"/>
+              <a:t>Conclusion</a:t>
+            </a:r>
+          </a:p>
+        </p:txBody>
+      </p:sp>
+      <p:graphicFrame>
+        <p:nvGraphicFramePr>
+          <p:cNvPr id="2" name="Table 1">
+            <a:extLst>
+              <a:ext uri="{FF2B5EF4-FFF2-40B4-BE49-F238E27FC236}">
+                <a16:creationId xmlns:a16="http://schemas.microsoft.com/office/drawing/2014/main" id="{45B0B02E-6860-7CC1-DB2F-BDC9C6BFA913}"/>
+              </a:ext>
+            </a:extLst>
+          </p:cNvPr>
+          <p:cNvGraphicFramePr>
+            <a:graphicFrameLocks noGrp="1"/>
+          </p:cNvGraphicFramePr>
+          <p:nvPr>
+            <p:extLst>
+              <p:ext uri="{D42A27DB-BD31-4B8C-83A1-F6EECF244321}">
+                <p14:modId xmlns:p14="http://schemas.microsoft.com/office/powerpoint/2010/main" val="1462089225"/>
+              </p:ext>
+            </p:extLst>
+          </p:nvPr>
+        </p:nvGraphicFramePr>
+        <p:xfrm>
+          <a:off x="2031996" y="2854454"/>
+          <a:ext cx="8127999" cy="1854200"/>
+        </p:xfrm>
+        <a:graphic>
+          <a:graphicData uri="http://schemas.openxmlformats.org/drawingml/2006/table">
+            <a:tbl>
+              <a:tblPr firstRow="1" bandRow="1">
+                <a:tableStyleId>{073A0DAA-6AF3-43AB-8588-CEC1D06C72B9}</a:tableStyleId>
+              </a:tblPr>
+              <a:tblGrid>
+                <a:gridCol w="2709333">
+                  <a:extLst>
+                    <a:ext uri="{9D8B030D-6E8A-4147-A177-3AD203B41FA5}">
+                      <a16:colId xmlns:a16="http://schemas.microsoft.com/office/drawing/2014/main" val="3444601384"/>
+                    </a:ext>
+                  </a:extLst>
+                </a:gridCol>
+                <a:gridCol w="2709333">
+                  <a:extLst>
+                    <a:ext uri="{9D8B030D-6E8A-4147-A177-3AD203B41FA5}">
+                      <a16:colId xmlns:a16="http://schemas.microsoft.com/office/drawing/2014/main" val="3014280815"/>
+                    </a:ext>
+                  </a:extLst>
+                </a:gridCol>
+                <a:gridCol w="2709333">
+                  <a:extLst>
+                    <a:ext uri="{9D8B030D-6E8A-4147-A177-3AD203B41FA5}">
+                      <a16:colId xmlns:a16="http://schemas.microsoft.com/office/drawing/2014/main" val="3156333836"/>
+                    </a:ext>
+                  </a:extLst>
+                </a:gridCol>
+              </a:tblGrid>
+              <a:tr h="370840">
+                <a:tc>
+                  <a:txBody>
+                    <a:bodyPr/>
+                    <a:lstStyle/>
+                    <a:p>
+                      <a:pPr algn="ctr"/>
+                      <a:r>
+                        <a:rPr lang="en-US" dirty="0"/>
+                        <a:t>EXPERIENCE LEVEL</a:t>
+                      </a:r>
+                    </a:p>
+                  </a:txBody>
+                  <a:tcPr/>
+                </a:tc>
+                <a:tc>
+                  <a:txBody>
+                    <a:bodyPr/>
+                    <a:lstStyle/>
+                    <a:p>
+                      <a:pPr algn="ctr"/>
+                      <a:r>
+                        <a:rPr lang="en-US" dirty="0"/>
+                        <a:t>MAXIMUM SALARY</a:t>
+                      </a:r>
+                    </a:p>
+                  </a:txBody>
+                  <a:tcPr/>
+                </a:tc>
+                <a:tc>
+                  <a:txBody>
+                    <a:bodyPr/>
+                    <a:lstStyle/>
+                    <a:p>
+                      <a:pPr algn="ctr"/>
+                      <a:r>
+                        <a:rPr lang="en-US" dirty="0"/>
+                        <a:t>MINIMUM SALARY</a:t>
+                      </a:r>
+                    </a:p>
+                  </a:txBody>
+                  <a:tcPr/>
+                </a:tc>
+                <a:extLst>
+                  <a:ext uri="{0D108BD9-81ED-4DB2-BD59-A6C34878D82A}">
+                    <a16:rowId xmlns:a16="http://schemas.microsoft.com/office/drawing/2014/main" val="3658434501"/>
+                  </a:ext>
+                </a:extLst>
+              </a:tr>
+              <a:tr h="370840">
+                <a:tc>
+                  <a:txBody>
+                    <a:bodyPr/>
+                    <a:lstStyle/>
+                    <a:p>
+                      <a:pPr algn="ctr"/>
+                      <a:r>
+                        <a:rPr lang="en-US" dirty="0"/>
+                        <a:t>Entry</a:t>
+                      </a:r>
+                    </a:p>
+                  </a:txBody>
+                  <a:tcPr/>
+                </a:tc>
+                <a:tc>
+                  <a:txBody>
+                    <a:bodyPr/>
+                    <a:lstStyle/>
+                    <a:p>
+                      <a:pPr algn="ctr"/>
+                      <a:r>
+                        <a:rPr lang="en-US" dirty="0"/>
+                        <a:t>$105,000</a:t>
+                      </a:r>
+                    </a:p>
+                  </a:txBody>
+                  <a:tcPr/>
+                </a:tc>
+                <a:tc>
+                  <a:txBody>
+                    <a:bodyPr/>
+                    <a:lstStyle/>
+                    <a:p>
+                      <a:pPr algn="ctr"/>
+                      <a:r>
+                        <a:rPr lang="en-US" dirty="0"/>
+                        <a:t>$95,000</a:t>
+                      </a:r>
+                    </a:p>
+                  </a:txBody>
+                  <a:tcPr/>
+                </a:tc>
+                <a:extLst>
+                  <a:ext uri="{0D108BD9-81ED-4DB2-BD59-A6C34878D82A}">
+                    <a16:rowId xmlns:a16="http://schemas.microsoft.com/office/drawing/2014/main" val="716478776"/>
+                  </a:ext>
+                </a:extLst>
+              </a:tr>
+              <a:tr h="370840">
+                <a:tc>
+                  <a:txBody>
+                    <a:bodyPr/>
+                    <a:lstStyle/>
+                    <a:p>
+                      <a:pPr algn="ctr"/>
+                      <a:r>
+                        <a:rPr lang="en-US" dirty="0"/>
+                        <a:t>Middle</a:t>
+                      </a:r>
+                    </a:p>
+                  </a:txBody>
+                  <a:tcPr/>
+                </a:tc>
+                <a:tc>
+                  <a:txBody>
+                    <a:bodyPr/>
+                    <a:lstStyle/>
+                    <a:p>
+                      <a:pPr algn="ctr"/>
+                      <a:r>
+                        <a:rPr lang="en-US" dirty="0"/>
+                        <a:t>$112,000</a:t>
+                      </a:r>
+                    </a:p>
+                  </a:txBody>
+                  <a:tcPr/>
+                </a:tc>
+                <a:tc>
+                  <a:txBody>
+                    <a:bodyPr/>
+                    <a:lstStyle/>
+                    <a:p>
+                      <a:pPr algn="ctr"/>
+                      <a:r>
+                        <a:rPr lang="en-US" dirty="0"/>
+                        <a:t>$99,000</a:t>
+                      </a:r>
+                    </a:p>
+                  </a:txBody>
+                  <a:tcPr/>
+                </a:tc>
+                <a:extLst>
+                  <a:ext uri="{0D108BD9-81ED-4DB2-BD59-A6C34878D82A}">
+                    <a16:rowId xmlns:a16="http://schemas.microsoft.com/office/drawing/2014/main" val="1248870328"/>
+                  </a:ext>
+                </a:extLst>
+              </a:tr>
+              <a:tr h="370840">
+                <a:tc>
+                  <a:txBody>
+                    <a:bodyPr/>
+                    <a:lstStyle/>
+                    <a:p>
+                      <a:pPr algn="ctr"/>
+                      <a:r>
+                        <a:rPr lang="en-US" dirty="0"/>
+                        <a:t>Senior</a:t>
+                      </a:r>
+                    </a:p>
+                  </a:txBody>
+                  <a:tcPr/>
+                </a:tc>
+                <a:tc>
+                  <a:txBody>
+                    <a:bodyPr/>
+                    <a:lstStyle/>
+                    <a:p>
+                      <a:pPr algn="ctr"/>
+                      <a:r>
+                        <a:rPr lang="en-US" dirty="0"/>
+                        <a:t>$216,400</a:t>
+                      </a:r>
+                    </a:p>
+                  </a:txBody>
+                  <a:tcPr/>
+                </a:tc>
+                <a:tc>
+                  <a:txBody>
+                    <a:bodyPr/>
+                    <a:lstStyle/>
+                    <a:p>
+                      <a:pPr algn="ctr"/>
+                      <a:r>
+                        <a:rPr lang="en-US" dirty="0"/>
+                        <a:t>$186,500</a:t>
+                      </a:r>
+                    </a:p>
+                  </a:txBody>
+                  <a:tcPr/>
+                </a:tc>
+                <a:extLst>
+                  <a:ext uri="{0D108BD9-81ED-4DB2-BD59-A6C34878D82A}">
+                    <a16:rowId xmlns:a16="http://schemas.microsoft.com/office/drawing/2014/main" val="1713625735"/>
+                  </a:ext>
+                </a:extLst>
+              </a:tr>
+              <a:tr h="370840">
+                <a:tc>
+                  <a:txBody>
+                    <a:bodyPr/>
+                    <a:lstStyle/>
+                    <a:p>
+                      <a:pPr algn="ctr"/>
+                      <a:r>
+                        <a:rPr lang="en-US" dirty="0"/>
+                        <a:t>Expert</a:t>
+                      </a:r>
+                    </a:p>
+                  </a:txBody>
+                  <a:tcPr/>
+                </a:tc>
+                <a:tc>
+                  <a:txBody>
+                    <a:bodyPr/>
+                    <a:lstStyle/>
+                    <a:p>
+                      <a:pPr algn="ctr"/>
+                      <a:r>
+                        <a:rPr lang="en-US" dirty="0"/>
+                        <a:t>$232,500</a:t>
+                      </a:r>
+                    </a:p>
+                  </a:txBody>
+                  <a:tcPr/>
+                </a:tc>
+                <a:tc>
+                  <a:txBody>
+                    <a:bodyPr/>
+                    <a:lstStyle/>
+                    <a:p>
+                      <a:pPr algn="ctr"/>
+                      <a:r>
+                        <a:rPr lang="en-US" dirty="0"/>
+                        <a:t>$220,100</a:t>
+                      </a:r>
+                    </a:p>
+                  </a:txBody>
+                  <a:tcPr/>
+                </a:tc>
+                <a:extLst>
+                  <a:ext uri="{0D108BD9-81ED-4DB2-BD59-A6C34878D82A}">
+                    <a16:rowId xmlns:a16="http://schemas.microsoft.com/office/drawing/2014/main" val="4123244228"/>
+                  </a:ext>
+                </a:extLst>
+              </a:tr>
+            </a:tbl>
+          </a:graphicData>
+        </a:graphic>
+      </p:graphicFrame>
+      <p:sp>
+        <p:nvSpPr>
+          <p:cNvPr id="3" name="TextBox 2">
+            <a:extLst>
+              <a:ext uri="{FF2B5EF4-FFF2-40B4-BE49-F238E27FC236}">
+                <a16:creationId xmlns:a16="http://schemas.microsoft.com/office/drawing/2014/main" id="{D1E00D24-4DC7-6C73-4CCA-677E67A7655E}"/>
+              </a:ext>
+            </a:extLst>
+          </p:cNvPr>
+          <p:cNvSpPr txBox="1"/>
+          <p:nvPr/>
+        </p:nvSpPr>
+        <p:spPr>
+          <a:xfrm>
+            <a:off x="2187905" y="869851"/>
+            <a:ext cx="7816185" cy="2031325"/>
+          </a:xfrm>
+          <a:prstGeom prst="rect">
+            <a:avLst/>
+          </a:prstGeom>
+          <a:noFill/>
+        </p:spPr>
+        <p:txBody>
+          <a:bodyPr wrap="square" rtlCol="0">
+            <a:spAutoFit/>
+          </a:bodyPr>
+          <a:lstStyle/>
+          <a:p>
+            <a:r>
+              <a:rPr lang="en-US" dirty="0">
+                <a:solidFill>
+                  <a:schemeClr val="bg1"/>
+                </a:solidFill>
+              </a:rPr>
+              <a:t>Based on the existing salaries for Data Scientists (or similar) by experience level and company size in the US, the salary ranges, below, are suggested.</a:t>
+            </a:r>
+          </a:p>
+          <a:p>
+            <a:endParaRPr lang="en-US" dirty="0">
+              <a:solidFill>
+                <a:schemeClr val="bg1"/>
+              </a:solidFill>
+            </a:endParaRPr>
+          </a:p>
+          <a:p>
+            <a:r>
+              <a:rPr lang="en-US" dirty="0">
+                <a:solidFill>
+                  <a:schemeClr val="bg1"/>
+                </a:solidFill>
+              </a:rPr>
+              <a:t>Note: Maximum salary is the 80</a:t>
+            </a:r>
+            <a:r>
+              <a:rPr lang="en-US" baseline="30000" dirty="0">
+                <a:solidFill>
+                  <a:schemeClr val="bg1"/>
+                </a:solidFill>
+              </a:rPr>
+              <a:t>th</a:t>
+            </a:r>
+            <a:r>
+              <a:rPr lang="en-US" dirty="0">
+                <a:solidFill>
+                  <a:schemeClr val="bg1"/>
+                </a:solidFill>
+              </a:rPr>
+              <a:t> percentile salary and minimum is 65</a:t>
+            </a:r>
+            <a:r>
+              <a:rPr lang="en-US" baseline="30000" dirty="0">
+                <a:solidFill>
+                  <a:schemeClr val="bg1"/>
+                </a:solidFill>
+              </a:rPr>
+              <a:t>th</a:t>
+            </a:r>
+            <a:r>
+              <a:rPr lang="en-US" dirty="0">
+                <a:solidFill>
+                  <a:schemeClr val="bg1"/>
+                </a:solidFill>
+              </a:rPr>
+              <a:t> percentile salary for the respective position. These ranges are for US residents working for US companies.</a:t>
+            </a:r>
+          </a:p>
+          <a:p>
+            <a:endParaRPr lang="en-US" dirty="0">
+              <a:solidFill>
+                <a:schemeClr val="bg1"/>
+              </a:solidFill>
+            </a:endParaRPr>
+          </a:p>
+        </p:txBody>
+      </p:sp>
+      <p:sp>
+        <p:nvSpPr>
+          <p:cNvPr id="8" name="TextBox 7">
+            <a:extLst>
+              <a:ext uri="{FF2B5EF4-FFF2-40B4-BE49-F238E27FC236}">
+                <a16:creationId xmlns:a16="http://schemas.microsoft.com/office/drawing/2014/main" id="{A4A23FBD-0DA2-9800-B1D3-F83FFE58C133}"/>
+              </a:ext>
+            </a:extLst>
+          </p:cNvPr>
+          <p:cNvSpPr txBox="1"/>
+          <p:nvPr/>
+        </p:nvSpPr>
+        <p:spPr>
+          <a:xfrm>
+            <a:off x="2187904" y="4917122"/>
+            <a:ext cx="7816185" cy="1477328"/>
+          </a:xfrm>
+          <a:prstGeom prst="rect">
+            <a:avLst/>
+          </a:prstGeom>
+          <a:noFill/>
+        </p:spPr>
+        <p:txBody>
+          <a:bodyPr wrap="square" rtlCol="0">
+            <a:spAutoFit/>
+          </a:bodyPr>
+          <a:lstStyle/>
+          <a:p>
+            <a:r>
+              <a:rPr lang="en-US" dirty="0">
+                <a:solidFill>
+                  <a:schemeClr val="bg1"/>
+                </a:solidFill>
+              </a:rPr>
+              <a:t>Remote positions with non-resident employees are not recommended, given the nature of a company our size. Infrastructure will need to be expanded as the company grows, and this will likely require periodic visits on-site, even for fully remote positions. This is not feasible for non-resident candidates.</a:t>
+            </a:r>
+          </a:p>
+          <a:p>
+            <a:endParaRPr lang="en-US" dirty="0">
+              <a:solidFill>
+                <a:schemeClr val="bg1"/>
+              </a:solidFill>
+            </a:endParaRPr>
+          </a:p>
+        </p:txBody>
+      </p:sp>
+    </p:spTree>
+    <p:extLst>
+      <p:ext uri="{BB962C8B-B14F-4D97-AF65-F5344CB8AC3E}">
+        <p14:creationId xmlns:p14="http://schemas.microsoft.com/office/powerpoint/2010/main" val="3853234127"/>
+      </p:ext>
+    </p:extLst>
+  </p:cSld>
+  <p:clrMapOvr>
+    <a:masterClrMapping/>
+  </p:clrMapOvr>
+</p:sld>
+</file>
+
 <file path=ppt/slides/slide2.xml><?xml version="1.0" encoding="utf-8"?>
 <p:sld xmlns:a="http://schemas.openxmlformats.org/drawingml/2006/main" xmlns:r="http://schemas.openxmlformats.org/officeDocument/2006/relationships" xmlns:p="http://schemas.openxmlformats.org/presentationml/2006/main">
   <p:cSld>
@@ -5959,8 +7534,8 @@
         </p:nvSpPr>
         <p:spPr>
           <a:xfrm>
-            <a:off x="2115800" y="1648590"/>
-            <a:ext cx="8262973" cy="646331"/>
+            <a:off x="3043550" y="2690336"/>
+            <a:ext cx="6104900" cy="1477328"/>
           </a:xfrm>
           <a:prstGeom prst="rect">
             <a:avLst/>
@@ -5978,12 +7553,1084 @@
               <a:buChar char="•"/>
             </a:pPr>
             <a:r>
-              <a:rPr lang="en-US">
+              <a:rPr lang="en-US" dirty="0">
                 <a:solidFill>
                   <a:schemeClr val="bg1"/>
                 </a:solidFill>
               </a:rPr>
-              <a:t>Problem Statement</a:t>
+              <a:t>Understanding the Data</a:t>
+            </a:r>
+          </a:p>
+          <a:p>
+            <a:pPr marL="285750" indent="-285750">
+              <a:buFont typeface="Arial" panose="020B0604020202020204" pitchFamily="34" charset="0"/>
+              <a:buChar char="•"/>
+            </a:pPr>
+            <a:r>
+              <a:rPr lang="en-US" dirty="0">
+                <a:solidFill>
+                  <a:schemeClr val="bg1"/>
+                </a:solidFill>
+              </a:rPr>
+              <a:t>Analyzing US Salaries by Experience and Company Size</a:t>
+            </a:r>
+          </a:p>
+          <a:p>
+            <a:pPr marL="285750" indent="-285750">
+              <a:buFont typeface="Arial" panose="020B0604020202020204" pitchFamily="34" charset="0"/>
+              <a:buChar char="•"/>
+            </a:pPr>
+            <a:r>
+              <a:rPr lang="en-US" dirty="0">
+                <a:solidFill>
+                  <a:schemeClr val="bg1"/>
+                </a:solidFill>
+              </a:rPr>
+              <a:t>Predicting Expert Salaries for Small US Companies</a:t>
+            </a:r>
+          </a:p>
+          <a:p>
+            <a:pPr marL="285750" indent="-285750">
+              <a:buFont typeface="Arial" panose="020B0604020202020204" pitchFamily="34" charset="0"/>
+              <a:buChar char="•"/>
+            </a:pPr>
+            <a:r>
+              <a:rPr lang="en-US" dirty="0">
+                <a:solidFill>
+                  <a:schemeClr val="bg1"/>
+                </a:solidFill>
+              </a:rPr>
+              <a:t>Analyzing US Salaries for Remote Workers</a:t>
+            </a:r>
+          </a:p>
+          <a:p>
+            <a:pPr marL="285750" indent="-285750">
+              <a:buFont typeface="Arial" panose="020B0604020202020204" pitchFamily="34" charset="0"/>
+              <a:buChar char="•"/>
+            </a:pPr>
+            <a:r>
+              <a:rPr lang="en-US" dirty="0">
+                <a:solidFill>
+                  <a:schemeClr val="bg1"/>
+                </a:solidFill>
+              </a:rPr>
+              <a:t>Conclusion</a:t>
+            </a:r>
+          </a:p>
+        </p:txBody>
+      </p:sp>
+    </p:spTree>
+    <p:extLst>
+      <p:ext uri="{BB962C8B-B14F-4D97-AF65-F5344CB8AC3E}">
+        <p14:creationId xmlns:p14="http://schemas.microsoft.com/office/powerpoint/2010/main" val="2311745202"/>
+      </p:ext>
+    </p:extLst>
+  </p:cSld>
+  <p:clrMapOvr>
+    <a:masterClrMapping/>
+  </p:clrMapOvr>
+</p:sld>
+</file>
+
+<file path=ppt/slides/slide3.xml><?xml version="1.0" encoding="utf-8"?>
+<p:sld xmlns:a="http://schemas.openxmlformats.org/drawingml/2006/main" xmlns:r="http://schemas.openxmlformats.org/officeDocument/2006/relationships" xmlns:p="http://schemas.openxmlformats.org/presentationml/2006/main">
+  <p:cSld>
+    <p:spTree>
+      <p:nvGrpSpPr>
+        <p:cNvPr id="1" name="">
+          <a:extLst>
+            <a:ext uri="{FF2B5EF4-FFF2-40B4-BE49-F238E27FC236}">
+              <a16:creationId xmlns:a16="http://schemas.microsoft.com/office/drawing/2014/main" id="{02B25E88-E183-D76C-0E6B-0B53AEC1CADD}"/>
+            </a:ext>
+          </a:extLst>
+        </p:cNvPr>
+        <p:cNvGrpSpPr/>
+        <p:nvPr/>
+      </p:nvGrpSpPr>
+      <p:grpSpPr>
+        <a:xfrm>
+          <a:off x="0" y="0"/>
+          <a:ext cx="0" cy="0"/>
+          <a:chOff x="0" y="0"/>
+          <a:chExt cx="0" cy="0"/>
+        </a:xfrm>
+      </p:grpSpPr>
+      <p:sp>
+        <p:nvSpPr>
+          <p:cNvPr id="5" name="Title 4">
+            <a:extLst>
+              <a:ext uri="{FF2B5EF4-FFF2-40B4-BE49-F238E27FC236}">
+                <a16:creationId xmlns:a16="http://schemas.microsoft.com/office/drawing/2014/main" id="{2CF02B4D-0422-737C-B0F3-021F6B76F6A6}"/>
+              </a:ext>
+            </a:extLst>
+          </p:cNvPr>
+          <p:cNvSpPr>
+            <a:spLocks noGrp="1"/>
+          </p:cNvSpPr>
+          <p:nvPr>
+            <p:ph type="title"/>
+          </p:nvPr>
+        </p:nvSpPr>
+        <p:spPr>
+          <a:xfrm>
+            <a:off x="1703807" y="108274"/>
+            <a:ext cx="8784385" cy="810827"/>
+          </a:xfrm>
+        </p:spPr>
+        <p:txBody>
+          <a:bodyPr>
+            <a:normAutofit/>
+          </a:bodyPr>
+          <a:lstStyle/>
+          <a:p>
+            <a:pPr algn="ctr"/>
+            <a:r>
+              <a:rPr lang="en-US" dirty="0"/>
+              <a:t>Understanding The Data</a:t>
+            </a:r>
+          </a:p>
+        </p:txBody>
+      </p:sp>
+      <p:sp>
+        <p:nvSpPr>
+          <p:cNvPr id="4" name="Slide Number Placeholder 3">
+            <a:extLst>
+              <a:ext uri="{FF2B5EF4-FFF2-40B4-BE49-F238E27FC236}">
+                <a16:creationId xmlns:a16="http://schemas.microsoft.com/office/drawing/2014/main" id="{376ECB84-7DE5-AB5E-7CE2-8B48D01C2940}"/>
+              </a:ext>
+            </a:extLst>
+          </p:cNvPr>
+          <p:cNvSpPr>
+            <a:spLocks noGrp="1"/>
+          </p:cNvSpPr>
+          <p:nvPr>
+            <p:ph type="sldNum" sz="quarter" idx="4294967295"/>
+          </p:nvPr>
+        </p:nvSpPr>
+        <p:spPr>
+          <a:xfrm>
+            <a:off x="0" y="6246813"/>
+            <a:ext cx="631825" cy="295275"/>
+          </a:xfrm>
+        </p:spPr>
+        <p:txBody>
+          <a:bodyPr/>
+          <a:lstStyle/>
+          <a:p>
+            <a:fld id="{B5CEABB6-07DC-46E8-9B57-56EC44A396E5}" type="slidenum">
+              <a:rPr lang="en-US" smtClean="0"/>
+              <a:pPr/>
+              <a:t>3</a:t>
+            </a:fld>
+            <a:endParaRPr lang="en-US" dirty="0"/>
+          </a:p>
+        </p:txBody>
+      </p:sp>
+      <p:sp>
+        <p:nvSpPr>
+          <p:cNvPr id="6" name="Title 4">
+            <a:extLst>
+              <a:ext uri="{FF2B5EF4-FFF2-40B4-BE49-F238E27FC236}">
+                <a16:creationId xmlns:a16="http://schemas.microsoft.com/office/drawing/2014/main" id="{9B328F47-ED6F-488F-1B82-970CAEBD56B0}"/>
+              </a:ext>
+            </a:extLst>
+          </p:cNvPr>
+          <p:cNvSpPr txBox="1">
+            <a:spLocks/>
+          </p:cNvSpPr>
+          <p:nvPr/>
+        </p:nvSpPr>
+        <p:spPr>
+          <a:xfrm>
+            <a:off x="4111614" y="740468"/>
+            <a:ext cx="3968770" cy="357266"/>
+          </a:xfrm>
+          <a:prstGeom prst="rect">
+            <a:avLst/>
+          </a:prstGeom>
+        </p:spPr>
+        <p:txBody>
+          <a:bodyPr vert="horz" lIns="91440" tIns="45720" rIns="91440" bIns="45720" rtlCol="0" anchor="b">
+            <a:normAutofit fontScale="75000" lnSpcReduction="20000"/>
+          </a:bodyPr>
+          <a:lstStyle>
+            <a:lvl1pPr algn="l" defTabSz="914400" rtl="0" eaLnBrk="1" latinLnBrk="0" hangingPunct="1">
+              <a:lnSpc>
+                <a:spcPct val="90000"/>
+              </a:lnSpc>
+              <a:spcBef>
+                <a:spcPct val="0"/>
+              </a:spcBef>
+              <a:buNone/>
+              <a:defRPr sz="4800" kern="1200" cap="all" baseline="0">
+                <a:solidFill>
+                  <a:schemeClr val="bg1"/>
+                </a:solidFill>
+                <a:latin typeface="+mj-lt"/>
+                <a:ea typeface="+mj-ea"/>
+                <a:cs typeface="+mj-cs"/>
+              </a:defRPr>
+            </a:lvl1pPr>
+          </a:lstStyle>
+          <a:p>
+            <a:pPr algn="ctr"/>
+            <a:r>
+              <a:rPr lang="en-US" sz="1800" dirty="0"/>
+              <a:t>Part 1: Identifying confounding Variables</a:t>
+            </a:r>
+          </a:p>
+        </p:txBody>
+      </p:sp>
+      <p:pic>
+        <p:nvPicPr>
+          <p:cNvPr id="9" name="Picture 8">
+            <a:extLst>
+              <a:ext uri="{FF2B5EF4-FFF2-40B4-BE49-F238E27FC236}">
+                <a16:creationId xmlns:a16="http://schemas.microsoft.com/office/drawing/2014/main" id="{DE09AE0D-9384-3ADC-81BA-756F1C24ED6F}"/>
+              </a:ext>
+            </a:extLst>
+          </p:cNvPr>
+          <p:cNvPicPr>
+            <a:picLocks noChangeAspect="1"/>
+          </p:cNvPicPr>
+          <p:nvPr/>
+        </p:nvPicPr>
+        <p:blipFill>
+          <a:blip r:embed="rId2"/>
+          <a:stretch>
+            <a:fillRect/>
+          </a:stretch>
+        </p:blipFill>
+        <p:spPr>
+          <a:xfrm>
+            <a:off x="4495808" y="1319497"/>
+            <a:ext cx="7640652" cy="5074953"/>
+          </a:xfrm>
+          <a:prstGeom prst="rect">
+            <a:avLst/>
+          </a:prstGeom>
+        </p:spPr>
+      </p:pic>
+      <p:sp>
+        <p:nvSpPr>
+          <p:cNvPr id="10" name="TextBox 9">
+            <a:extLst>
+              <a:ext uri="{FF2B5EF4-FFF2-40B4-BE49-F238E27FC236}">
+                <a16:creationId xmlns:a16="http://schemas.microsoft.com/office/drawing/2014/main" id="{90D62802-7C05-2A65-80F0-5449BFD178A4}"/>
+              </a:ext>
+            </a:extLst>
+          </p:cNvPr>
+          <p:cNvSpPr txBox="1"/>
+          <p:nvPr/>
+        </p:nvSpPr>
+        <p:spPr>
+          <a:xfrm>
+            <a:off x="772909" y="2399182"/>
+            <a:ext cx="3782969" cy="3139321"/>
+          </a:xfrm>
+          <a:prstGeom prst="rect">
+            <a:avLst/>
+          </a:prstGeom>
+          <a:noFill/>
+        </p:spPr>
+        <p:txBody>
+          <a:bodyPr wrap="square" rtlCol="0">
+            <a:spAutoFit/>
+          </a:bodyPr>
+          <a:lstStyle/>
+          <a:p>
+            <a:pPr marL="285750" indent="-285750">
+              <a:buFont typeface="Arial" panose="020B0604020202020204" pitchFamily="34" charset="0"/>
+              <a:buChar char="•"/>
+            </a:pPr>
+            <a:r>
+              <a:rPr lang="en-US" dirty="0">
+                <a:solidFill>
+                  <a:schemeClr val="bg1"/>
+                </a:solidFill>
+              </a:rPr>
+              <a:t>Initial critical variables for Salary in USD:</a:t>
+            </a:r>
+          </a:p>
+          <a:p>
+            <a:pPr marL="742950" lvl="1" indent="-285750">
+              <a:buFont typeface="Arial" panose="020B0604020202020204" pitchFamily="34" charset="0"/>
+              <a:buChar char="•"/>
+            </a:pPr>
+            <a:r>
+              <a:rPr lang="en-US" dirty="0">
+                <a:solidFill>
+                  <a:schemeClr val="bg1"/>
+                </a:solidFill>
+              </a:rPr>
+              <a:t>Employment type</a:t>
+            </a:r>
+          </a:p>
+          <a:p>
+            <a:pPr marL="742950" lvl="1" indent="-285750">
+              <a:buFont typeface="Arial" panose="020B0604020202020204" pitchFamily="34" charset="0"/>
+              <a:buChar char="•"/>
+            </a:pPr>
+            <a:r>
+              <a:rPr lang="en-US" dirty="0">
+                <a:solidFill>
+                  <a:schemeClr val="bg1"/>
+                </a:solidFill>
+              </a:rPr>
+              <a:t>Experience level</a:t>
+            </a:r>
+          </a:p>
+          <a:p>
+            <a:pPr marL="742950" lvl="1" indent="-285750">
+              <a:buFont typeface="Arial" panose="020B0604020202020204" pitchFamily="34" charset="0"/>
+              <a:buChar char="•"/>
+            </a:pPr>
+            <a:r>
+              <a:rPr lang="en-US" dirty="0">
+                <a:solidFill>
+                  <a:schemeClr val="bg1"/>
+                </a:solidFill>
+              </a:rPr>
+              <a:t>Company Size</a:t>
+            </a:r>
+          </a:p>
+          <a:p>
+            <a:pPr marL="285750" indent="-285750">
+              <a:buFont typeface="Arial" panose="020B0604020202020204" pitchFamily="34" charset="0"/>
+              <a:buChar char="•"/>
+            </a:pPr>
+            <a:r>
+              <a:rPr lang="en-US" dirty="0">
+                <a:solidFill>
+                  <a:schemeClr val="bg1"/>
+                </a:solidFill>
+              </a:rPr>
+              <a:t>The box plots for these variables showed the expected trends when analyzed individually </a:t>
+            </a:r>
+          </a:p>
+          <a:p>
+            <a:pPr marL="285750" indent="-285750">
+              <a:buFont typeface="Arial" panose="020B0604020202020204" pitchFamily="34" charset="0"/>
+              <a:buChar char="•"/>
+            </a:pPr>
+            <a:r>
+              <a:rPr lang="en-US" dirty="0">
+                <a:solidFill>
+                  <a:schemeClr val="bg1"/>
+                </a:solidFill>
+              </a:rPr>
+              <a:t>Requires a better understanding of how the variables influence each other</a:t>
+            </a:r>
+          </a:p>
+        </p:txBody>
+      </p:sp>
+    </p:spTree>
+    <p:extLst>
+      <p:ext uri="{BB962C8B-B14F-4D97-AF65-F5344CB8AC3E}">
+        <p14:creationId xmlns:p14="http://schemas.microsoft.com/office/powerpoint/2010/main" val="2277609053"/>
+      </p:ext>
+    </p:extLst>
+  </p:cSld>
+  <p:clrMapOvr>
+    <a:masterClrMapping/>
+  </p:clrMapOvr>
+</p:sld>
+</file>
+
+<file path=ppt/slides/slide4.xml><?xml version="1.0" encoding="utf-8"?>
+<p:sld xmlns:a="http://schemas.openxmlformats.org/drawingml/2006/main" xmlns:r="http://schemas.openxmlformats.org/officeDocument/2006/relationships" xmlns:p="http://schemas.openxmlformats.org/presentationml/2006/main">
+  <p:cSld>
+    <p:spTree>
+      <p:nvGrpSpPr>
+        <p:cNvPr id="1" name="">
+          <a:extLst>
+            <a:ext uri="{FF2B5EF4-FFF2-40B4-BE49-F238E27FC236}">
+              <a16:creationId xmlns:a16="http://schemas.microsoft.com/office/drawing/2014/main" id="{7503D3B3-9BC6-ED5C-C6A9-F3AB381B47B2}"/>
+            </a:ext>
+          </a:extLst>
+        </p:cNvPr>
+        <p:cNvGrpSpPr/>
+        <p:nvPr/>
+      </p:nvGrpSpPr>
+      <p:grpSpPr>
+        <a:xfrm>
+          <a:off x="0" y="0"/>
+          <a:ext cx="0" cy="0"/>
+          <a:chOff x="0" y="0"/>
+          <a:chExt cx="0" cy="0"/>
+        </a:xfrm>
+      </p:grpSpPr>
+      <p:sp>
+        <p:nvSpPr>
+          <p:cNvPr id="5" name="Title 4">
+            <a:extLst>
+              <a:ext uri="{FF2B5EF4-FFF2-40B4-BE49-F238E27FC236}">
+                <a16:creationId xmlns:a16="http://schemas.microsoft.com/office/drawing/2014/main" id="{8872DECE-5995-45D4-D4A7-C4FB731D4386}"/>
+              </a:ext>
+            </a:extLst>
+          </p:cNvPr>
+          <p:cNvSpPr>
+            <a:spLocks noGrp="1"/>
+          </p:cNvSpPr>
+          <p:nvPr>
+            <p:ph type="title"/>
+          </p:nvPr>
+        </p:nvSpPr>
+        <p:spPr>
+          <a:xfrm>
+            <a:off x="1703807" y="108274"/>
+            <a:ext cx="8784385" cy="810827"/>
+          </a:xfrm>
+        </p:spPr>
+        <p:txBody>
+          <a:bodyPr>
+            <a:normAutofit/>
+          </a:bodyPr>
+          <a:lstStyle/>
+          <a:p>
+            <a:pPr algn="ctr"/>
+            <a:r>
+              <a:rPr lang="en-US" dirty="0"/>
+              <a:t>Understanding The Data</a:t>
+            </a:r>
+          </a:p>
+        </p:txBody>
+      </p:sp>
+      <p:sp>
+        <p:nvSpPr>
+          <p:cNvPr id="4" name="Slide Number Placeholder 3">
+            <a:extLst>
+              <a:ext uri="{FF2B5EF4-FFF2-40B4-BE49-F238E27FC236}">
+                <a16:creationId xmlns:a16="http://schemas.microsoft.com/office/drawing/2014/main" id="{9C055B85-32ED-B3D7-9647-14153CB9C5E5}"/>
+              </a:ext>
+            </a:extLst>
+          </p:cNvPr>
+          <p:cNvSpPr>
+            <a:spLocks noGrp="1"/>
+          </p:cNvSpPr>
+          <p:nvPr>
+            <p:ph type="sldNum" sz="quarter" idx="4294967295"/>
+          </p:nvPr>
+        </p:nvSpPr>
+        <p:spPr>
+          <a:xfrm>
+            <a:off x="0" y="6246813"/>
+            <a:ext cx="631825" cy="295275"/>
+          </a:xfrm>
+        </p:spPr>
+        <p:txBody>
+          <a:bodyPr/>
+          <a:lstStyle/>
+          <a:p>
+            <a:fld id="{B5CEABB6-07DC-46E8-9B57-56EC44A396E5}" type="slidenum">
+              <a:rPr lang="en-US" smtClean="0"/>
+              <a:pPr/>
+              <a:t>4</a:t>
+            </a:fld>
+            <a:endParaRPr lang="en-US" dirty="0"/>
+          </a:p>
+        </p:txBody>
+      </p:sp>
+      <p:sp>
+        <p:nvSpPr>
+          <p:cNvPr id="6" name="Title 4">
+            <a:extLst>
+              <a:ext uri="{FF2B5EF4-FFF2-40B4-BE49-F238E27FC236}">
+                <a16:creationId xmlns:a16="http://schemas.microsoft.com/office/drawing/2014/main" id="{C5720BE1-0FE1-5D5C-9582-AA69FD642127}"/>
+              </a:ext>
+            </a:extLst>
+          </p:cNvPr>
+          <p:cNvSpPr txBox="1">
+            <a:spLocks/>
+          </p:cNvSpPr>
+          <p:nvPr/>
+        </p:nvSpPr>
+        <p:spPr>
+          <a:xfrm>
+            <a:off x="3793388" y="740468"/>
+            <a:ext cx="4605221" cy="357266"/>
+          </a:xfrm>
+          <a:prstGeom prst="rect">
+            <a:avLst/>
+          </a:prstGeom>
+        </p:spPr>
+        <p:txBody>
+          <a:bodyPr vert="horz" lIns="91440" tIns="45720" rIns="91440" bIns="45720" rtlCol="0" anchor="b">
+            <a:normAutofit fontScale="67500" lnSpcReduction="20000"/>
+          </a:bodyPr>
+          <a:lstStyle>
+            <a:lvl1pPr algn="l" defTabSz="914400" rtl="0" eaLnBrk="1" latinLnBrk="0" hangingPunct="1">
+              <a:lnSpc>
+                <a:spcPct val="90000"/>
+              </a:lnSpc>
+              <a:spcBef>
+                <a:spcPct val="0"/>
+              </a:spcBef>
+              <a:buNone/>
+              <a:defRPr sz="4800" kern="1200" cap="all" baseline="0">
+                <a:solidFill>
+                  <a:schemeClr val="bg1"/>
+                </a:solidFill>
+                <a:latin typeface="+mj-lt"/>
+                <a:ea typeface="+mj-ea"/>
+                <a:cs typeface="+mj-cs"/>
+              </a:defRPr>
+            </a:lvl1pPr>
+          </a:lstStyle>
+          <a:p>
+            <a:pPr algn="ctr"/>
+            <a:r>
+              <a:rPr lang="en-US" sz="1800" dirty="0"/>
+              <a:t>Part 1: Identifying confounding Variables (continued)</a:t>
+            </a:r>
+          </a:p>
+        </p:txBody>
+      </p:sp>
+      <p:sp>
+        <p:nvSpPr>
+          <p:cNvPr id="10" name="TextBox 9">
+            <a:extLst>
+              <a:ext uri="{FF2B5EF4-FFF2-40B4-BE49-F238E27FC236}">
+                <a16:creationId xmlns:a16="http://schemas.microsoft.com/office/drawing/2014/main" id="{3E68D9C5-5067-24EE-89EB-7D72FD7F4EC4}"/>
+              </a:ext>
+            </a:extLst>
+          </p:cNvPr>
+          <p:cNvSpPr txBox="1"/>
+          <p:nvPr/>
+        </p:nvSpPr>
+        <p:spPr>
+          <a:xfrm>
+            <a:off x="425838" y="3255129"/>
+            <a:ext cx="3782969" cy="3416320"/>
+          </a:xfrm>
+          <a:prstGeom prst="rect">
+            <a:avLst/>
+          </a:prstGeom>
+          <a:noFill/>
+        </p:spPr>
+        <p:txBody>
+          <a:bodyPr wrap="square" rtlCol="0">
+            <a:spAutoFit/>
+          </a:bodyPr>
+          <a:lstStyle/>
+          <a:p>
+            <a:pPr marL="285750" indent="-285750">
+              <a:buFont typeface="Arial" panose="020B0604020202020204" pitchFamily="34" charset="0"/>
+              <a:buChar char="•"/>
+            </a:pPr>
+            <a:r>
+              <a:rPr lang="en-US" dirty="0">
+                <a:solidFill>
+                  <a:schemeClr val="bg1"/>
+                </a:solidFill>
+              </a:rPr>
+              <a:t>Scatter plots of Experience Level by Salary in USD were generated to understand the shape of the data. </a:t>
+            </a:r>
+          </a:p>
+          <a:p>
+            <a:pPr marL="742950" lvl="1" indent="-285750">
+              <a:buFont typeface="Arial" panose="020B0604020202020204" pitchFamily="34" charset="0"/>
+              <a:buChar char="•"/>
+            </a:pPr>
+            <a:r>
+              <a:rPr lang="en-US" dirty="0">
+                <a:solidFill>
+                  <a:schemeClr val="bg1"/>
+                </a:solidFill>
+              </a:rPr>
+              <a:t>Color coded by company size and employment type</a:t>
+            </a:r>
+          </a:p>
+          <a:p>
+            <a:pPr marL="285750" indent="-285750">
+              <a:buFont typeface="Arial" panose="020B0604020202020204" pitchFamily="34" charset="0"/>
+              <a:buChar char="•"/>
+            </a:pPr>
+            <a:r>
+              <a:rPr lang="en-US" dirty="0">
+                <a:solidFill>
+                  <a:schemeClr val="bg1"/>
+                </a:solidFill>
+              </a:rPr>
+              <a:t>Company size and employment type have an impact on the expected salary for a given experience level.</a:t>
+            </a:r>
+          </a:p>
+          <a:p>
+            <a:pPr marL="742950" lvl="1" indent="-285750">
+              <a:buFont typeface="Arial" panose="020B0604020202020204" pitchFamily="34" charset="0"/>
+              <a:buChar char="•"/>
+            </a:pPr>
+            <a:r>
+              <a:rPr lang="en-US" dirty="0">
+                <a:solidFill>
+                  <a:schemeClr val="bg1"/>
+                </a:solidFill>
+              </a:rPr>
+              <a:t>As indicated in the previous slide</a:t>
+            </a:r>
+          </a:p>
+        </p:txBody>
+      </p:sp>
+      <p:pic>
+        <p:nvPicPr>
+          <p:cNvPr id="12" name="Picture 11">
+            <a:extLst>
+              <a:ext uri="{FF2B5EF4-FFF2-40B4-BE49-F238E27FC236}">
+                <a16:creationId xmlns:a16="http://schemas.microsoft.com/office/drawing/2014/main" id="{71C466BB-9C4C-5DED-CB0A-D4EC502860D8}"/>
+              </a:ext>
+            </a:extLst>
+          </p:cNvPr>
+          <p:cNvPicPr>
+            <a:picLocks noChangeAspect="1"/>
+          </p:cNvPicPr>
+          <p:nvPr/>
+        </p:nvPicPr>
+        <p:blipFill>
+          <a:blip r:embed="rId2"/>
+          <a:stretch>
+            <a:fillRect/>
+          </a:stretch>
+        </p:blipFill>
+        <p:spPr>
+          <a:xfrm>
+            <a:off x="4415715" y="1097734"/>
+            <a:ext cx="7660185" cy="5734548"/>
+          </a:xfrm>
+          <a:prstGeom prst="rect">
+            <a:avLst/>
+          </a:prstGeom>
+        </p:spPr>
+      </p:pic>
+    </p:spTree>
+    <p:extLst>
+      <p:ext uri="{BB962C8B-B14F-4D97-AF65-F5344CB8AC3E}">
+        <p14:creationId xmlns:p14="http://schemas.microsoft.com/office/powerpoint/2010/main" val="1709749501"/>
+      </p:ext>
+    </p:extLst>
+  </p:cSld>
+  <p:clrMapOvr>
+    <a:masterClrMapping/>
+  </p:clrMapOvr>
+</p:sld>
+</file>
+
+<file path=ppt/slides/slide5.xml><?xml version="1.0" encoding="utf-8"?>
+<p:sld xmlns:a="http://schemas.openxmlformats.org/drawingml/2006/main" xmlns:r="http://schemas.openxmlformats.org/officeDocument/2006/relationships" xmlns:p="http://schemas.openxmlformats.org/presentationml/2006/main">
+  <p:cSld>
+    <p:spTree>
+      <p:nvGrpSpPr>
+        <p:cNvPr id="1" name="">
+          <a:extLst>
+            <a:ext uri="{FF2B5EF4-FFF2-40B4-BE49-F238E27FC236}">
+              <a16:creationId xmlns:a16="http://schemas.microsoft.com/office/drawing/2014/main" id="{4052D6FF-BB08-E5B5-74C3-6A41D6A2E920}"/>
+            </a:ext>
+          </a:extLst>
+        </p:cNvPr>
+        <p:cNvGrpSpPr/>
+        <p:nvPr/>
+      </p:nvGrpSpPr>
+      <p:grpSpPr>
+        <a:xfrm>
+          <a:off x="0" y="0"/>
+          <a:ext cx="0" cy="0"/>
+          <a:chOff x="0" y="0"/>
+          <a:chExt cx="0" cy="0"/>
+        </a:xfrm>
+      </p:grpSpPr>
+      <p:sp>
+        <p:nvSpPr>
+          <p:cNvPr id="5" name="Title 4">
+            <a:extLst>
+              <a:ext uri="{FF2B5EF4-FFF2-40B4-BE49-F238E27FC236}">
+                <a16:creationId xmlns:a16="http://schemas.microsoft.com/office/drawing/2014/main" id="{6B2B5D61-3061-064B-D24B-D3F17D2EAAF8}"/>
+              </a:ext>
+            </a:extLst>
+          </p:cNvPr>
+          <p:cNvSpPr>
+            <a:spLocks noGrp="1"/>
+          </p:cNvSpPr>
+          <p:nvPr>
+            <p:ph type="title"/>
+          </p:nvPr>
+        </p:nvSpPr>
+        <p:spPr>
+          <a:xfrm>
+            <a:off x="1703807" y="108274"/>
+            <a:ext cx="8784385" cy="810827"/>
+          </a:xfrm>
+        </p:spPr>
+        <p:txBody>
+          <a:bodyPr>
+            <a:normAutofit/>
+          </a:bodyPr>
+          <a:lstStyle/>
+          <a:p>
+            <a:pPr algn="ctr"/>
+            <a:r>
+              <a:rPr lang="en-US" dirty="0"/>
+              <a:t>Understanding The Data</a:t>
+            </a:r>
+          </a:p>
+        </p:txBody>
+      </p:sp>
+      <p:sp>
+        <p:nvSpPr>
+          <p:cNvPr id="4" name="Slide Number Placeholder 3">
+            <a:extLst>
+              <a:ext uri="{FF2B5EF4-FFF2-40B4-BE49-F238E27FC236}">
+                <a16:creationId xmlns:a16="http://schemas.microsoft.com/office/drawing/2014/main" id="{2C2FDD4C-27FF-7B7B-4ABB-D14D4861DEE5}"/>
+              </a:ext>
+            </a:extLst>
+          </p:cNvPr>
+          <p:cNvSpPr>
+            <a:spLocks noGrp="1"/>
+          </p:cNvSpPr>
+          <p:nvPr>
+            <p:ph type="sldNum" sz="quarter" idx="4294967295"/>
+          </p:nvPr>
+        </p:nvSpPr>
+        <p:spPr>
+          <a:xfrm>
+            <a:off x="0" y="6246813"/>
+            <a:ext cx="631825" cy="295275"/>
+          </a:xfrm>
+        </p:spPr>
+        <p:txBody>
+          <a:bodyPr/>
+          <a:lstStyle/>
+          <a:p>
+            <a:fld id="{B5CEABB6-07DC-46E8-9B57-56EC44A396E5}" type="slidenum">
+              <a:rPr lang="en-US" smtClean="0"/>
+              <a:pPr/>
+              <a:t>5</a:t>
+            </a:fld>
+            <a:endParaRPr lang="en-US" dirty="0"/>
+          </a:p>
+        </p:txBody>
+      </p:sp>
+      <p:sp>
+        <p:nvSpPr>
+          <p:cNvPr id="10" name="TextBox 9">
+            <a:extLst>
+              <a:ext uri="{FF2B5EF4-FFF2-40B4-BE49-F238E27FC236}">
+                <a16:creationId xmlns:a16="http://schemas.microsoft.com/office/drawing/2014/main" id="{F6FF7CFD-BAA4-A4B4-82E6-BB22024D33C1}"/>
+              </a:ext>
+            </a:extLst>
+          </p:cNvPr>
+          <p:cNvSpPr txBox="1"/>
+          <p:nvPr/>
+        </p:nvSpPr>
+        <p:spPr>
+          <a:xfrm>
+            <a:off x="425838" y="3255129"/>
+            <a:ext cx="3782969" cy="2031325"/>
+          </a:xfrm>
+          <a:prstGeom prst="rect">
+            <a:avLst/>
+          </a:prstGeom>
+          <a:noFill/>
+        </p:spPr>
+        <p:txBody>
+          <a:bodyPr wrap="square" rtlCol="0">
+            <a:spAutoFit/>
+          </a:bodyPr>
+          <a:lstStyle/>
+          <a:p>
+            <a:pPr marL="285750" indent="-285750">
+              <a:buFont typeface="Arial" panose="020B0604020202020204" pitchFamily="34" charset="0"/>
+              <a:buChar char="•"/>
+            </a:pPr>
+            <a:r>
+              <a:rPr lang="en-US" dirty="0">
+                <a:solidFill>
+                  <a:schemeClr val="bg1"/>
+                </a:solidFill>
+              </a:rPr>
+              <a:t>Consistent, relatively normal distribution of salary ranges for each company size and experience level.</a:t>
+            </a:r>
+          </a:p>
+          <a:p>
+            <a:pPr marL="742950" lvl="1" indent="-285750">
+              <a:buFont typeface="Arial" panose="020B0604020202020204" pitchFamily="34" charset="0"/>
+              <a:buChar char="•"/>
+            </a:pPr>
+            <a:r>
+              <a:rPr lang="en-US" dirty="0">
+                <a:solidFill>
+                  <a:schemeClr val="bg1"/>
+                </a:solidFill>
+              </a:rPr>
+              <a:t>This is a critical insight for salary range recommendations </a:t>
+            </a:r>
+          </a:p>
+        </p:txBody>
+      </p:sp>
+      <p:pic>
+        <p:nvPicPr>
+          <p:cNvPr id="3" name="Picture 2">
+            <a:extLst>
+              <a:ext uri="{FF2B5EF4-FFF2-40B4-BE49-F238E27FC236}">
+                <a16:creationId xmlns:a16="http://schemas.microsoft.com/office/drawing/2014/main" id="{705B7460-1BBC-B72A-47FC-B38777D57865}"/>
+              </a:ext>
+            </a:extLst>
+          </p:cNvPr>
+          <p:cNvPicPr>
+            <a:picLocks noChangeAspect="1"/>
+          </p:cNvPicPr>
+          <p:nvPr/>
+        </p:nvPicPr>
+        <p:blipFill>
+          <a:blip r:embed="rId2"/>
+          <a:stretch>
+            <a:fillRect/>
+          </a:stretch>
+        </p:blipFill>
+        <p:spPr>
+          <a:xfrm>
+            <a:off x="4511865" y="1097734"/>
+            <a:ext cx="7625723" cy="5652232"/>
+          </a:xfrm>
+          <a:prstGeom prst="rect">
+            <a:avLst/>
+          </a:prstGeom>
+        </p:spPr>
+      </p:pic>
+      <p:sp>
+        <p:nvSpPr>
+          <p:cNvPr id="7" name="Title 4">
+            <a:extLst>
+              <a:ext uri="{FF2B5EF4-FFF2-40B4-BE49-F238E27FC236}">
+                <a16:creationId xmlns:a16="http://schemas.microsoft.com/office/drawing/2014/main" id="{D4053FC4-C892-4331-014D-5F359830521F}"/>
+              </a:ext>
+            </a:extLst>
+          </p:cNvPr>
+          <p:cNvSpPr txBox="1">
+            <a:spLocks/>
+          </p:cNvSpPr>
+          <p:nvPr/>
+        </p:nvSpPr>
+        <p:spPr>
+          <a:xfrm>
+            <a:off x="4111614" y="740468"/>
+            <a:ext cx="3968770" cy="357266"/>
+          </a:xfrm>
+          <a:prstGeom prst="rect">
+            <a:avLst/>
+          </a:prstGeom>
+        </p:spPr>
+        <p:txBody>
+          <a:bodyPr vert="horz" lIns="91440" tIns="45720" rIns="91440" bIns="45720" rtlCol="0" anchor="b">
+            <a:normAutofit fontScale="97500"/>
+          </a:bodyPr>
+          <a:lstStyle>
+            <a:lvl1pPr algn="l" defTabSz="914400" rtl="0" eaLnBrk="1" latinLnBrk="0" hangingPunct="1">
+              <a:lnSpc>
+                <a:spcPct val="90000"/>
+              </a:lnSpc>
+              <a:spcBef>
+                <a:spcPct val="0"/>
+              </a:spcBef>
+              <a:buNone/>
+              <a:defRPr sz="4800" kern="1200" cap="all" baseline="0">
+                <a:solidFill>
+                  <a:schemeClr val="bg1"/>
+                </a:solidFill>
+                <a:latin typeface="+mj-lt"/>
+                <a:ea typeface="+mj-ea"/>
+                <a:cs typeface="+mj-cs"/>
+              </a:defRPr>
+            </a:lvl1pPr>
+          </a:lstStyle>
+          <a:p>
+            <a:pPr algn="ctr"/>
+            <a:r>
+              <a:rPr lang="en-US" sz="1800" dirty="0"/>
+              <a:t>Part 2: Identifying Trends</a:t>
+            </a:r>
+          </a:p>
+        </p:txBody>
+      </p:sp>
+    </p:spTree>
+    <p:extLst>
+      <p:ext uri="{BB962C8B-B14F-4D97-AF65-F5344CB8AC3E}">
+        <p14:creationId xmlns:p14="http://schemas.microsoft.com/office/powerpoint/2010/main" val="793639534"/>
+      </p:ext>
+    </p:extLst>
+  </p:cSld>
+  <p:clrMapOvr>
+    <a:masterClrMapping/>
+  </p:clrMapOvr>
+</p:sld>
+</file>
+
+<file path=ppt/slides/slide6.xml><?xml version="1.0" encoding="utf-8"?>
+<p:sld xmlns:a="http://schemas.openxmlformats.org/drawingml/2006/main" xmlns:r="http://schemas.openxmlformats.org/officeDocument/2006/relationships" xmlns:p="http://schemas.openxmlformats.org/presentationml/2006/main">
+  <p:cSld>
+    <p:spTree>
+      <p:nvGrpSpPr>
+        <p:cNvPr id="1" name="">
+          <a:extLst>
+            <a:ext uri="{FF2B5EF4-FFF2-40B4-BE49-F238E27FC236}">
+              <a16:creationId xmlns:a16="http://schemas.microsoft.com/office/drawing/2014/main" id="{EE4CC566-2317-E3EF-E9E7-912822D8623D}"/>
+            </a:ext>
+          </a:extLst>
+        </p:cNvPr>
+        <p:cNvGrpSpPr/>
+        <p:nvPr/>
+      </p:nvGrpSpPr>
+      <p:grpSpPr>
+        <a:xfrm>
+          <a:off x="0" y="0"/>
+          <a:ext cx="0" cy="0"/>
+          <a:chOff x="0" y="0"/>
+          <a:chExt cx="0" cy="0"/>
+        </a:xfrm>
+      </p:grpSpPr>
+      <p:sp>
+        <p:nvSpPr>
+          <p:cNvPr id="4" name="Slide Number Placeholder 3">
+            <a:extLst>
+              <a:ext uri="{FF2B5EF4-FFF2-40B4-BE49-F238E27FC236}">
+                <a16:creationId xmlns:a16="http://schemas.microsoft.com/office/drawing/2014/main" id="{F2A959FA-90AC-A9E9-F243-DCE729AAAC5D}"/>
+              </a:ext>
+            </a:extLst>
+          </p:cNvPr>
+          <p:cNvSpPr>
+            <a:spLocks noGrp="1"/>
+          </p:cNvSpPr>
+          <p:nvPr>
+            <p:ph type="sldNum" sz="quarter" idx="4294967295"/>
+          </p:nvPr>
+        </p:nvSpPr>
+        <p:spPr>
+          <a:xfrm>
+            <a:off x="0" y="6246813"/>
+            <a:ext cx="631825" cy="295275"/>
+          </a:xfrm>
+        </p:spPr>
+        <p:txBody>
+          <a:bodyPr/>
+          <a:lstStyle/>
+          <a:p>
+            <a:fld id="{B5CEABB6-07DC-46E8-9B57-56EC44A396E5}" type="slidenum">
+              <a:rPr lang="en-US" smtClean="0"/>
+              <a:pPr/>
+              <a:t>6</a:t>
+            </a:fld>
+            <a:endParaRPr lang="en-US" dirty="0"/>
+          </a:p>
+        </p:txBody>
+      </p:sp>
+      <p:sp>
+        <p:nvSpPr>
+          <p:cNvPr id="6" name="Title 4">
+            <a:extLst>
+              <a:ext uri="{FF2B5EF4-FFF2-40B4-BE49-F238E27FC236}">
+                <a16:creationId xmlns:a16="http://schemas.microsoft.com/office/drawing/2014/main" id="{44DFA601-45A9-8E01-49C0-56CB726314AB}"/>
+              </a:ext>
+            </a:extLst>
+          </p:cNvPr>
+          <p:cNvSpPr>
+            <a:spLocks noGrp="1"/>
+          </p:cNvSpPr>
+          <p:nvPr>
+            <p:ph type="title"/>
+          </p:nvPr>
+        </p:nvSpPr>
+        <p:spPr>
+          <a:xfrm>
+            <a:off x="1822126" y="0"/>
+            <a:ext cx="8547748" cy="583367"/>
+          </a:xfrm>
+        </p:spPr>
+        <p:txBody>
+          <a:bodyPr>
+            <a:noAutofit/>
+          </a:bodyPr>
+          <a:lstStyle/>
+          <a:p>
+            <a:pPr algn="ctr"/>
+            <a:r>
+              <a:rPr lang="en-US" sz="3600" dirty="0"/>
+              <a:t>Analysis of US companies (part 1)</a:t>
+            </a:r>
+          </a:p>
+        </p:txBody>
+      </p:sp>
+      <p:sp>
+        <p:nvSpPr>
+          <p:cNvPr id="13" name="TextBox 12">
+            <a:extLst>
+              <a:ext uri="{FF2B5EF4-FFF2-40B4-BE49-F238E27FC236}">
+                <a16:creationId xmlns:a16="http://schemas.microsoft.com/office/drawing/2014/main" id="{90A2F244-2731-ED0D-2FC3-8B5DD04B81EB}"/>
+              </a:ext>
+            </a:extLst>
+          </p:cNvPr>
+          <p:cNvSpPr txBox="1"/>
+          <p:nvPr/>
+        </p:nvSpPr>
+        <p:spPr>
+          <a:xfrm>
+            <a:off x="1954102" y="899049"/>
+            <a:ext cx="5052961" cy="3416320"/>
+          </a:xfrm>
+          <a:prstGeom prst="rect">
+            <a:avLst/>
+          </a:prstGeom>
+          <a:noFill/>
+        </p:spPr>
+        <p:txBody>
+          <a:bodyPr wrap="square" rtlCol="0">
+            <a:spAutoFit/>
+          </a:bodyPr>
+          <a:lstStyle/>
+          <a:p>
+            <a:pPr marL="285750" indent="-285750">
+              <a:buFont typeface="Arial" panose="020B0604020202020204" pitchFamily="34" charset="0"/>
+              <a:buChar char="•"/>
+            </a:pPr>
+            <a:r>
+              <a:rPr lang="en-US" dirty="0">
+                <a:solidFill>
+                  <a:schemeClr val="bg1"/>
+                </a:solidFill>
+              </a:rPr>
+              <a:t>US Companies are a more representative group</a:t>
+            </a:r>
+          </a:p>
+          <a:p>
+            <a:endParaRPr lang="en-US" dirty="0">
+              <a:solidFill>
+                <a:schemeClr val="bg1"/>
+              </a:solidFill>
+            </a:endParaRPr>
+          </a:p>
+          <a:p>
+            <a:pPr marL="285750" indent="-285750">
+              <a:buFont typeface="Arial" panose="020B0604020202020204" pitchFamily="34" charset="0"/>
+              <a:buChar char="•"/>
+            </a:pPr>
+            <a:r>
+              <a:rPr lang="en-US" dirty="0">
+                <a:solidFill>
+                  <a:schemeClr val="bg1"/>
+                </a:solidFill>
+              </a:rPr>
+              <a:t>Company size affects salary ranges across experience level</a:t>
+            </a:r>
+          </a:p>
+          <a:p>
+            <a:pPr marL="742950" lvl="1" indent="-285750">
+              <a:buFont typeface="Arial" panose="020B0604020202020204" pitchFamily="34" charset="0"/>
+              <a:buChar char="•"/>
+            </a:pPr>
+            <a:r>
+              <a:rPr lang="en-US" dirty="0">
+                <a:solidFill>
+                  <a:schemeClr val="bg1"/>
+                </a:solidFill>
+              </a:rPr>
+              <a:t>Consistent with all companies around the world</a:t>
             </a:r>
           </a:p>
           <a:p>
@@ -5997,12 +8644,1007 @@
               </a:solidFill>
             </a:endParaRPr>
           </a:p>
+          <a:p>
+            <a:pPr marL="285750" indent="-285750">
+              <a:buFont typeface="Arial" panose="020B0604020202020204" pitchFamily="34" charset="0"/>
+              <a:buChar char="•"/>
+            </a:pPr>
+            <a:r>
+              <a:rPr lang="en-US" dirty="0">
+                <a:solidFill>
+                  <a:schemeClr val="bg1"/>
+                </a:solidFill>
+              </a:rPr>
+              <a:t>For now, the primary interest is US residents working for US companies. Non-US residents will be explored later.</a:t>
+            </a:r>
+          </a:p>
+          <a:p>
+            <a:endParaRPr lang="en-US" dirty="0">
+              <a:solidFill>
+                <a:schemeClr val="bg1"/>
+              </a:solidFill>
+            </a:endParaRPr>
+          </a:p>
+        </p:txBody>
+      </p:sp>
+      <p:pic>
+        <p:nvPicPr>
+          <p:cNvPr id="15" name="Picture 14">
+            <a:extLst>
+              <a:ext uri="{FF2B5EF4-FFF2-40B4-BE49-F238E27FC236}">
+                <a16:creationId xmlns:a16="http://schemas.microsoft.com/office/drawing/2014/main" id="{FC9E174F-48F0-9496-CB3E-494F6BDA5E24}"/>
+              </a:ext>
+            </a:extLst>
+          </p:cNvPr>
+          <p:cNvPicPr>
+            <a:picLocks noChangeAspect="1"/>
+          </p:cNvPicPr>
+          <p:nvPr/>
+        </p:nvPicPr>
+        <p:blipFill>
+          <a:blip r:embed="rId2"/>
+          <a:stretch>
+            <a:fillRect/>
+          </a:stretch>
+        </p:blipFill>
+        <p:spPr>
+          <a:xfrm>
+            <a:off x="7007063" y="530112"/>
+            <a:ext cx="5052961" cy="6327888"/>
+          </a:xfrm>
+          <a:prstGeom prst="rect">
+            <a:avLst/>
+          </a:prstGeom>
+        </p:spPr>
+      </p:pic>
+    </p:spTree>
+    <p:extLst>
+      <p:ext uri="{BB962C8B-B14F-4D97-AF65-F5344CB8AC3E}">
+        <p14:creationId xmlns:p14="http://schemas.microsoft.com/office/powerpoint/2010/main" val="2334940513"/>
+      </p:ext>
+    </p:extLst>
+  </p:cSld>
+  <p:clrMapOvr>
+    <a:masterClrMapping/>
+  </p:clrMapOvr>
+</p:sld>
+</file>
+
+<file path=ppt/slides/slide7.xml><?xml version="1.0" encoding="utf-8"?>
+<p:sld xmlns:a="http://schemas.openxmlformats.org/drawingml/2006/main" xmlns:r="http://schemas.openxmlformats.org/officeDocument/2006/relationships" xmlns:p="http://schemas.openxmlformats.org/presentationml/2006/main">
+  <p:cSld>
+    <p:spTree>
+      <p:nvGrpSpPr>
+        <p:cNvPr id="1" name="">
+          <a:extLst>
+            <a:ext uri="{FF2B5EF4-FFF2-40B4-BE49-F238E27FC236}">
+              <a16:creationId xmlns:a16="http://schemas.microsoft.com/office/drawing/2014/main" id="{483FCF49-7DD7-4C89-FA1F-3226FC01AA61}"/>
+            </a:ext>
+          </a:extLst>
+        </p:cNvPr>
+        <p:cNvGrpSpPr/>
+        <p:nvPr/>
+      </p:nvGrpSpPr>
+      <p:grpSpPr>
+        <a:xfrm>
+          <a:off x="0" y="0"/>
+          <a:ext cx="0" cy="0"/>
+          <a:chOff x="0" y="0"/>
+          <a:chExt cx="0" cy="0"/>
+        </a:xfrm>
+      </p:grpSpPr>
+      <p:sp>
+        <p:nvSpPr>
+          <p:cNvPr id="4" name="Slide Number Placeholder 3">
+            <a:extLst>
+              <a:ext uri="{FF2B5EF4-FFF2-40B4-BE49-F238E27FC236}">
+                <a16:creationId xmlns:a16="http://schemas.microsoft.com/office/drawing/2014/main" id="{52B4CE9A-FCE2-7C62-E9F2-9A64BE7E3F49}"/>
+              </a:ext>
+            </a:extLst>
+          </p:cNvPr>
+          <p:cNvSpPr>
+            <a:spLocks noGrp="1"/>
+          </p:cNvSpPr>
+          <p:nvPr>
+            <p:ph type="sldNum" sz="quarter" idx="4294967295"/>
+          </p:nvPr>
+        </p:nvSpPr>
+        <p:spPr>
+          <a:xfrm>
+            <a:off x="0" y="6246813"/>
+            <a:ext cx="631825" cy="295275"/>
+          </a:xfrm>
+        </p:spPr>
+        <p:txBody>
+          <a:bodyPr/>
+          <a:lstStyle/>
+          <a:p>
+            <a:fld id="{B5CEABB6-07DC-46E8-9B57-56EC44A396E5}" type="slidenum">
+              <a:rPr lang="en-US" smtClean="0"/>
+              <a:pPr/>
+              <a:t>7</a:t>
+            </a:fld>
+            <a:endParaRPr lang="en-US" dirty="0"/>
+          </a:p>
+        </p:txBody>
+      </p:sp>
+      <p:sp>
+        <p:nvSpPr>
+          <p:cNvPr id="6" name="Title 4">
+            <a:extLst>
+              <a:ext uri="{FF2B5EF4-FFF2-40B4-BE49-F238E27FC236}">
+                <a16:creationId xmlns:a16="http://schemas.microsoft.com/office/drawing/2014/main" id="{BB907D26-182A-8AB5-F54D-15B2D7956715}"/>
+              </a:ext>
+            </a:extLst>
+          </p:cNvPr>
+          <p:cNvSpPr>
+            <a:spLocks noGrp="1"/>
+          </p:cNvSpPr>
+          <p:nvPr>
+            <p:ph type="title"/>
+          </p:nvPr>
+        </p:nvSpPr>
+        <p:spPr>
+          <a:xfrm>
+            <a:off x="1822126" y="0"/>
+            <a:ext cx="8547748" cy="583367"/>
+          </a:xfrm>
+        </p:spPr>
+        <p:txBody>
+          <a:bodyPr>
+            <a:noAutofit/>
+          </a:bodyPr>
+          <a:lstStyle/>
+          <a:p>
+            <a:pPr algn="ctr"/>
+            <a:r>
+              <a:rPr lang="en-US" sz="3600" dirty="0"/>
+              <a:t>Analysis of US companies (part 2)</a:t>
+            </a:r>
+          </a:p>
+        </p:txBody>
+      </p:sp>
+      <p:sp>
+        <p:nvSpPr>
+          <p:cNvPr id="13" name="TextBox 12">
+            <a:extLst>
+              <a:ext uri="{FF2B5EF4-FFF2-40B4-BE49-F238E27FC236}">
+                <a16:creationId xmlns:a16="http://schemas.microsoft.com/office/drawing/2014/main" id="{4AC73AE6-E2F3-C897-70FE-5B59F2D59F2F}"/>
+              </a:ext>
+            </a:extLst>
+          </p:cNvPr>
+          <p:cNvSpPr txBox="1"/>
+          <p:nvPr/>
+        </p:nvSpPr>
+        <p:spPr>
+          <a:xfrm>
+            <a:off x="259904" y="3542133"/>
+            <a:ext cx="3237509" cy="3139321"/>
+          </a:xfrm>
+          <a:prstGeom prst="rect">
+            <a:avLst/>
+          </a:prstGeom>
+          <a:noFill/>
+        </p:spPr>
+        <p:txBody>
+          <a:bodyPr wrap="square" rtlCol="0">
+            <a:spAutoFit/>
+          </a:bodyPr>
+          <a:lstStyle/>
+          <a:p>
+            <a:pPr marL="285750" indent="-285750">
+              <a:buFont typeface="Arial" panose="020B0604020202020204" pitchFamily="34" charset="0"/>
+              <a:buChar char="•"/>
+            </a:pPr>
+            <a:r>
+              <a:rPr lang="en-US" dirty="0">
+                <a:solidFill>
+                  <a:schemeClr val="bg1"/>
+                </a:solidFill>
+              </a:rPr>
+              <a:t>Salary distributions by company size and experience are more normal than global dataset</a:t>
+            </a:r>
+          </a:p>
+          <a:p>
+            <a:pPr marL="285750" indent="-285750">
+              <a:buFont typeface="Arial" panose="020B0604020202020204" pitchFamily="34" charset="0"/>
+              <a:buChar char="•"/>
+            </a:pPr>
+            <a:r>
+              <a:rPr lang="en-US" dirty="0">
+                <a:solidFill>
+                  <a:schemeClr val="bg1"/>
+                </a:solidFill>
+              </a:rPr>
+              <a:t>Senior positions have large variances in pay for small companies</a:t>
+            </a:r>
+          </a:p>
+          <a:p>
+            <a:pPr marL="742950" lvl="1" indent="-285750">
+              <a:buFont typeface="Arial" panose="020B0604020202020204" pitchFamily="34" charset="0"/>
+              <a:buChar char="•"/>
+            </a:pPr>
+            <a:r>
+              <a:rPr lang="en-US" dirty="0">
+                <a:solidFill>
+                  <a:schemeClr val="bg1"/>
+                </a:solidFill>
+              </a:rPr>
+              <a:t>Senior and expert positions are of interest</a:t>
+            </a:r>
+          </a:p>
+          <a:p>
+            <a:endParaRPr lang="en-US" dirty="0">
+              <a:solidFill>
+                <a:schemeClr val="bg1"/>
+              </a:solidFill>
+            </a:endParaRPr>
+          </a:p>
+        </p:txBody>
+      </p:sp>
+      <p:pic>
+        <p:nvPicPr>
+          <p:cNvPr id="7" name="Picture 6">
+            <a:extLst>
+              <a:ext uri="{FF2B5EF4-FFF2-40B4-BE49-F238E27FC236}">
+                <a16:creationId xmlns:a16="http://schemas.microsoft.com/office/drawing/2014/main" id="{21C2B34E-34DF-72AB-F566-BFD21312C5CD}"/>
+              </a:ext>
+            </a:extLst>
+          </p:cNvPr>
+          <p:cNvPicPr>
+            <a:picLocks noChangeAspect="1"/>
+          </p:cNvPicPr>
+          <p:nvPr/>
+        </p:nvPicPr>
+        <p:blipFill>
+          <a:blip r:embed="rId2"/>
+          <a:stretch>
+            <a:fillRect/>
+          </a:stretch>
+        </p:blipFill>
+        <p:spPr>
+          <a:xfrm>
+            <a:off x="3704321" y="566881"/>
+            <a:ext cx="8487679" cy="6291119"/>
+          </a:xfrm>
+          <a:prstGeom prst="rect">
+            <a:avLst/>
+          </a:prstGeom>
+        </p:spPr>
+      </p:pic>
+    </p:spTree>
+    <p:extLst>
+      <p:ext uri="{BB962C8B-B14F-4D97-AF65-F5344CB8AC3E}">
+        <p14:creationId xmlns:p14="http://schemas.microsoft.com/office/powerpoint/2010/main" val="2590757757"/>
+      </p:ext>
+    </p:extLst>
+  </p:cSld>
+  <p:clrMapOvr>
+    <a:masterClrMapping/>
+  </p:clrMapOvr>
+</p:sld>
+</file>
+
+<file path=ppt/slides/slide8.xml><?xml version="1.0" encoding="utf-8"?>
+<p:sld xmlns:a="http://schemas.openxmlformats.org/drawingml/2006/main" xmlns:r="http://schemas.openxmlformats.org/officeDocument/2006/relationships" xmlns:p="http://schemas.openxmlformats.org/presentationml/2006/main">
+  <p:cSld>
+    <p:spTree>
+      <p:nvGrpSpPr>
+        <p:cNvPr id="1" name="">
+          <a:extLst>
+            <a:ext uri="{FF2B5EF4-FFF2-40B4-BE49-F238E27FC236}">
+              <a16:creationId xmlns:a16="http://schemas.microsoft.com/office/drawing/2014/main" id="{7FEAA24C-FD59-F528-16A3-9D2145FFB998}"/>
+            </a:ext>
+          </a:extLst>
+        </p:cNvPr>
+        <p:cNvGrpSpPr/>
+        <p:nvPr/>
+      </p:nvGrpSpPr>
+      <p:grpSpPr>
+        <a:xfrm>
+          <a:off x="0" y="0"/>
+          <a:ext cx="0" cy="0"/>
+          <a:chOff x="0" y="0"/>
+          <a:chExt cx="0" cy="0"/>
+        </a:xfrm>
+      </p:grpSpPr>
+      <p:sp>
+        <p:nvSpPr>
+          <p:cNvPr id="4" name="Slide Number Placeholder 3">
+            <a:extLst>
+              <a:ext uri="{FF2B5EF4-FFF2-40B4-BE49-F238E27FC236}">
+                <a16:creationId xmlns:a16="http://schemas.microsoft.com/office/drawing/2014/main" id="{C9A38AF0-57D3-EFBE-677D-3F74F93491B1}"/>
+              </a:ext>
+            </a:extLst>
+          </p:cNvPr>
+          <p:cNvSpPr>
+            <a:spLocks noGrp="1"/>
+          </p:cNvSpPr>
+          <p:nvPr>
+            <p:ph type="sldNum" sz="quarter" idx="4294967295"/>
+          </p:nvPr>
+        </p:nvSpPr>
+        <p:spPr>
+          <a:xfrm>
+            <a:off x="0" y="6246813"/>
+            <a:ext cx="631825" cy="295275"/>
+          </a:xfrm>
+        </p:spPr>
+        <p:txBody>
+          <a:bodyPr/>
+          <a:lstStyle/>
+          <a:p>
+            <a:fld id="{B5CEABB6-07DC-46E8-9B57-56EC44A396E5}" type="slidenum">
+              <a:rPr lang="en-US" smtClean="0"/>
+              <a:pPr/>
+              <a:t>8</a:t>
+            </a:fld>
+            <a:endParaRPr lang="en-US" dirty="0"/>
+          </a:p>
+        </p:txBody>
+      </p:sp>
+      <p:sp>
+        <p:nvSpPr>
+          <p:cNvPr id="6" name="Title 4">
+            <a:extLst>
+              <a:ext uri="{FF2B5EF4-FFF2-40B4-BE49-F238E27FC236}">
+                <a16:creationId xmlns:a16="http://schemas.microsoft.com/office/drawing/2014/main" id="{6D944F74-F683-B355-5442-4B8BB8CFAA12}"/>
+              </a:ext>
+            </a:extLst>
+          </p:cNvPr>
+          <p:cNvSpPr>
+            <a:spLocks noGrp="1"/>
+          </p:cNvSpPr>
+          <p:nvPr>
+            <p:ph type="title"/>
+          </p:nvPr>
+        </p:nvSpPr>
+        <p:spPr>
+          <a:xfrm>
+            <a:off x="1822126" y="0"/>
+            <a:ext cx="8547748" cy="583367"/>
+          </a:xfrm>
+        </p:spPr>
+        <p:txBody>
+          <a:bodyPr>
+            <a:noAutofit/>
+          </a:bodyPr>
+          <a:lstStyle/>
+          <a:p>
+            <a:pPr algn="ctr"/>
+            <a:r>
+              <a:rPr lang="en-US" sz="3600" dirty="0"/>
+              <a:t>Analysis of US companies (part 3)</a:t>
+            </a:r>
+          </a:p>
+        </p:txBody>
+      </p:sp>
+      <p:pic>
+        <p:nvPicPr>
+          <p:cNvPr id="5" name="Picture 4">
+            <a:extLst>
+              <a:ext uri="{FF2B5EF4-FFF2-40B4-BE49-F238E27FC236}">
+                <a16:creationId xmlns:a16="http://schemas.microsoft.com/office/drawing/2014/main" id="{5C12BCD3-7A6D-5A68-C009-903F8393BD62}"/>
+              </a:ext>
+            </a:extLst>
+          </p:cNvPr>
+          <p:cNvPicPr>
+            <a:picLocks noChangeAspect="1"/>
+          </p:cNvPicPr>
+          <p:nvPr/>
+        </p:nvPicPr>
+        <p:blipFill>
+          <a:blip r:embed="rId2"/>
+          <a:stretch>
+            <a:fillRect/>
+          </a:stretch>
+        </p:blipFill>
+        <p:spPr>
+          <a:xfrm>
+            <a:off x="5108286" y="1415574"/>
+            <a:ext cx="6997919" cy="5333422"/>
+          </a:xfrm>
+          <a:prstGeom prst="rect">
+            <a:avLst/>
+          </a:prstGeom>
+        </p:spPr>
+      </p:pic>
+      <p:sp>
+        <p:nvSpPr>
+          <p:cNvPr id="7" name="TextBox 6">
+            <a:extLst>
+              <a:ext uri="{FF2B5EF4-FFF2-40B4-BE49-F238E27FC236}">
+                <a16:creationId xmlns:a16="http://schemas.microsoft.com/office/drawing/2014/main" id="{E006B0EB-C219-5AF3-3282-CA1FA6FAA289}"/>
+              </a:ext>
+            </a:extLst>
+          </p:cNvPr>
+          <p:cNvSpPr txBox="1"/>
+          <p:nvPr/>
+        </p:nvSpPr>
+        <p:spPr>
+          <a:xfrm>
+            <a:off x="880628" y="2512624"/>
+            <a:ext cx="3237509" cy="3693319"/>
+          </a:xfrm>
+          <a:prstGeom prst="rect">
+            <a:avLst/>
+          </a:prstGeom>
+          <a:noFill/>
+        </p:spPr>
+        <p:txBody>
+          <a:bodyPr wrap="square" rtlCol="0">
+            <a:spAutoFit/>
+          </a:bodyPr>
+          <a:lstStyle/>
+          <a:p>
+            <a:pPr marL="285750" indent="-285750">
+              <a:buFont typeface="Arial" panose="020B0604020202020204" pitchFamily="34" charset="0"/>
+              <a:buChar char="•"/>
+            </a:pPr>
+            <a:r>
+              <a:rPr lang="en-US" dirty="0">
+                <a:solidFill>
+                  <a:schemeClr val="bg1"/>
+                </a:solidFill>
+              </a:rPr>
+              <a:t>An attractive pay range would be around the 75</a:t>
+            </a:r>
+            <a:r>
+              <a:rPr lang="en-US" baseline="30000" dirty="0">
+                <a:solidFill>
+                  <a:schemeClr val="bg1"/>
+                </a:solidFill>
+              </a:rPr>
+              <a:t>th</a:t>
+            </a:r>
+            <a:r>
+              <a:rPr lang="en-US" dirty="0">
+                <a:solidFill>
+                  <a:schemeClr val="bg1"/>
+                </a:solidFill>
+              </a:rPr>
+              <a:t> percentile.</a:t>
+            </a:r>
+          </a:p>
+          <a:p>
+            <a:pPr marL="285750" indent="-285750">
+              <a:buFont typeface="Arial" panose="020B0604020202020204" pitchFamily="34" charset="0"/>
+              <a:buChar char="•"/>
+            </a:pPr>
+            <a:r>
+              <a:rPr lang="en-US" dirty="0">
+                <a:solidFill>
+                  <a:schemeClr val="bg1"/>
+                </a:solidFill>
+              </a:rPr>
+              <a:t>Expert level pay for small companies is an outlier, with only one data point.</a:t>
+            </a:r>
+          </a:p>
+          <a:p>
+            <a:pPr marL="742950" lvl="1" indent="-285750">
+              <a:buFont typeface="Arial" panose="020B0604020202020204" pitchFamily="34" charset="0"/>
+              <a:buChar char="•"/>
+            </a:pPr>
+            <a:r>
+              <a:rPr lang="en-US" dirty="0">
+                <a:solidFill>
+                  <a:schemeClr val="bg1"/>
+                </a:solidFill>
+              </a:rPr>
+              <a:t>This is an ideal candidate</a:t>
+            </a:r>
+          </a:p>
+          <a:p>
+            <a:pPr marL="742950" lvl="1" indent="-285750">
+              <a:buFont typeface="Arial" panose="020B0604020202020204" pitchFamily="34" charset="0"/>
+              <a:buChar char="•"/>
+            </a:pPr>
+            <a:r>
+              <a:rPr lang="en-US" dirty="0">
+                <a:solidFill>
+                  <a:schemeClr val="bg1"/>
+                </a:solidFill>
+              </a:rPr>
+              <a:t>The pay for this candidate can be predicted based on trends in the data set</a:t>
+            </a:r>
+          </a:p>
+          <a:p>
+            <a:endParaRPr lang="en-US" dirty="0">
+              <a:solidFill>
+                <a:schemeClr val="bg1"/>
+              </a:solidFill>
+            </a:endParaRPr>
+          </a:p>
         </p:txBody>
       </p:sp>
     </p:spTree>
     <p:extLst>
       <p:ext uri="{BB962C8B-B14F-4D97-AF65-F5344CB8AC3E}">
-        <p14:creationId xmlns:p14="http://schemas.microsoft.com/office/powerpoint/2010/main" val="2311745202"/>
+        <p14:creationId xmlns:p14="http://schemas.microsoft.com/office/powerpoint/2010/main" val="4204575061"/>
+      </p:ext>
+    </p:extLst>
+  </p:cSld>
+  <p:clrMapOvr>
+    <a:masterClrMapping/>
+  </p:clrMapOvr>
+</p:sld>
+</file>
+
+<file path=ppt/slides/slide9.xml><?xml version="1.0" encoding="utf-8"?>
+<p:sld xmlns:a="http://schemas.openxmlformats.org/drawingml/2006/main" xmlns:r="http://schemas.openxmlformats.org/officeDocument/2006/relationships" xmlns:p="http://schemas.openxmlformats.org/presentationml/2006/main">
+  <p:cSld>
+    <p:spTree>
+      <p:nvGrpSpPr>
+        <p:cNvPr id="1" name="">
+          <a:extLst>
+            <a:ext uri="{FF2B5EF4-FFF2-40B4-BE49-F238E27FC236}">
+              <a16:creationId xmlns:a16="http://schemas.microsoft.com/office/drawing/2014/main" id="{6A08ACF5-50F0-8478-6E4D-32E09DB882AD}"/>
+            </a:ext>
+          </a:extLst>
+        </p:cNvPr>
+        <p:cNvGrpSpPr/>
+        <p:nvPr/>
+      </p:nvGrpSpPr>
+      <p:grpSpPr>
+        <a:xfrm>
+          <a:off x="0" y="0"/>
+          <a:ext cx="0" cy="0"/>
+          <a:chOff x="0" y="0"/>
+          <a:chExt cx="0" cy="0"/>
+        </a:xfrm>
+      </p:grpSpPr>
+      <p:sp>
+        <p:nvSpPr>
+          <p:cNvPr id="4" name="Slide Number Placeholder 3">
+            <a:extLst>
+              <a:ext uri="{FF2B5EF4-FFF2-40B4-BE49-F238E27FC236}">
+                <a16:creationId xmlns:a16="http://schemas.microsoft.com/office/drawing/2014/main" id="{370AEAA5-D559-4FB0-4796-571FACF82A1E}"/>
+              </a:ext>
+            </a:extLst>
+          </p:cNvPr>
+          <p:cNvSpPr>
+            <a:spLocks noGrp="1"/>
+          </p:cNvSpPr>
+          <p:nvPr>
+            <p:ph type="sldNum" sz="quarter" idx="4294967295"/>
+          </p:nvPr>
+        </p:nvSpPr>
+        <p:spPr>
+          <a:xfrm>
+            <a:off x="0" y="6246813"/>
+            <a:ext cx="631825" cy="295275"/>
+          </a:xfrm>
+        </p:spPr>
+        <p:txBody>
+          <a:bodyPr/>
+          <a:lstStyle/>
+          <a:p>
+            <a:fld id="{B5CEABB6-07DC-46E8-9B57-56EC44A396E5}" type="slidenum">
+              <a:rPr lang="en-US" smtClean="0"/>
+              <a:pPr/>
+              <a:t>9</a:t>
+            </a:fld>
+            <a:endParaRPr lang="en-US" dirty="0"/>
+          </a:p>
+        </p:txBody>
+      </p:sp>
+      <p:sp>
+        <p:nvSpPr>
+          <p:cNvPr id="6" name="Title 4">
+            <a:extLst>
+              <a:ext uri="{FF2B5EF4-FFF2-40B4-BE49-F238E27FC236}">
+                <a16:creationId xmlns:a16="http://schemas.microsoft.com/office/drawing/2014/main" id="{A0CD2D50-EF35-2EA2-AE14-E07879E0A2EB}"/>
+              </a:ext>
+            </a:extLst>
+          </p:cNvPr>
+          <p:cNvSpPr>
+            <a:spLocks noGrp="1"/>
+          </p:cNvSpPr>
+          <p:nvPr>
+            <p:ph type="title"/>
+          </p:nvPr>
+        </p:nvSpPr>
+        <p:spPr>
+          <a:xfrm>
+            <a:off x="2122477" y="0"/>
+            <a:ext cx="9477722" cy="583367"/>
+          </a:xfrm>
+        </p:spPr>
+        <p:txBody>
+          <a:bodyPr>
+            <a:noAutofit/>
+          </a:bodyPr>
+          <a:lstStyle/>
+          <a:p>
+            <a:pPr algn="ctr"/>
+            <a:r>
+              <a:rPr lang="en-US" sz="2800" dirty="0">
+                <a:solidFill>
+                  <a:schemeClr val="bg1"/>
+                </a:solidFill>
+              </a:rPr>
+              <a:t>Predicting Expert Salaries for Small US Companies</a:t>
+            </a:r>
+            <a:endParaRPr lang="en-US" sz="2800" dirty="0"/>
+          </a:p>
+        </p:txBody>
+      </p:sp>
+      <p:sp>
+        <p:nvSpPr>
+          <p:cNvPr id="3" name="TextBox 2">
+            <a:extLst>
+              <a:ext uri="{FF2B5EF4-FFF2-40B4-BE49-F238E27FC236}">
+                <a16:creationId xmlns:a16="http://schemas.microsoft.com/office/drawing/2014/main" id="{FC380E5A-E40F-29D9-A0BA-BD7C67EAD7B5}"/>
+              </a:ext>
+            </a:extLst>
+          </p:cNvPr>
+          <p:cNvSpPr txBox="1"/>
+          <p:nvPr/>
+        </p:nvSpPr>
+        <p:spPr>
+          <a:xfrm>
+            <a:off x="3320379" y="1846011"/>
+            <a:ext cx="2958452" cy="646331"/>
+          </a:xfrm>
+          <a:prstGeom prst="rect">
+            <a:avLst/>
+          </a:prstGeom>
+          <a:noFill/>
+        </p:spPr>
+        <p:txBody>
+          <a:bodyPr wrap="square">
+            <a:spAutoFit/>
+          </a:bodyPr>
+          <a:lstStyle/>
+          <a:p>
+            <a:pPr algn="ctr"/>
+            <a:r>
+              <a:rPr lang="en-US" dirty="0">
+                <a:solidFill>
+                  <a:schemeClr val="bg1"/>
+                </a:solidFill>
+              </a:rPr>
+              <a:t>METHOD 1: Ordinary Least Squares Regression</a:t>
+            </a:r>
+          </a:p>
+        </p:txBody>
+      </p:sp>
+      <p:sp>
+        <p:nvSpPr>
+          <p:cNvPr id="8" name="TextBox 7">
+            <a:extLst>
+              <a:ext uri="{FF2B5EF4-FFF2-40B4-BE49-F238E27FC236}">
+                <a16:creationId xmlns:a16="http://schemas.microsoft.com/office/drawing/2014/main" id="{C3A1EC1F-1430-ACA3-0EAD-24AA0EEAEEEB}"/>
+              </a:ext>
+            </a:extLst>
+          </p:cNvPr>
+          <p:cNvSpPr txBox="1"/>
+          <p:nvPr/>
+        </p:nvSpPr>
+        <p:spPr>
+          <a:xfrm>
+            <a:off x="7078813" y="1846011"/>
+            <a:ext cx="2958452" cy="646331"/>
+          </a:xfrm>
+          <a:prstGeom prst="rect">
+            <a:avLst/>
+          </a:prstGeom>
+          <a:noFill/>
+        </p:spPr>
+        <p:txBody>
+          <a:bodyPr wrap="square">
+            <a:spAutoFit/>
+          </a:bodyPr>
+          <a:lstStyle/>
+          <a:p>
+            <a:pPr algn="ctr"/>
+            <a:r>
+              <a:rPr lang="en-US" dirty="0">
+                <a:solidFill>
+                  <a:schemeClr val="bg1"/>
+                </a:solidFill>
+              </a:rPr>
+              <a:t>METHOD 2: Linear Regression</a:t>
+            </a:r>
+          </a:p>
+        </p:txBody>
+      </p:sp>
+      <p:sp>
+        <p:nvSpPr>
+          <p:cNvPr id="9" name="TextBox 8">
+            <a:extLst>
+              <a:ext uri="{FF2B5EF4-FFF2-40B4-BE49-F238E27FC236}">
+                <a16:creationId xmlns:a16="http://schemas.microsoft.com/office/drawing/2014/main" id="{D964E249-6C75-5030-3B25-439D49140C06}"/>
+              </a:ext>
+            </a:extLst>
+          </p:cNvPr>
+          <p:cNvSpPr txBox="1"/>
+          <p:nvPr/>
+        </p:nvSpPr>
+        <p:spPr>
+          <a:xfrm>
+            <a:off x="3180851" y="2550590"/>
+            <a:ext cx="3237509" cy="2862322"/>
+          </a:xfrm>
+          <a:prstGeom prst="rect">
+            <a:avLst/>
+          </a:prstGeom>
+          <a:noFill/>
+        </p:spPr>
+        <p:txBody>
+          <a:bodyPr wrap="square" rtlCol="0">
+            <a:spAutoFit/>
+          </a:bodyPr>
+          <a:lstStyle/>
+          <a:p>
+            <a:pPr marL="285750" indent="-285750">
+              <a:buFont typeface="Arial" panose="020B0604020202020204" pitchFamily="34" charset="0"/>
+              <a:buChar char="•"/>
+            </a:pPr>
+            <a:r>
+              <a:rPr lang="en-US" dirty="0">
+                <a:solidFill>
+                  <a:schemeClr val="bg1"/>
+                </a:solidFill>
+              </a:rPr>
+              <a:t>Data included US company sizes, experience levels, and salaries.</a:t>
+            </a:r>
+          </a:p>
+          <a:p>
+            <a:pPr marL="285750" indent="-285750">
+              <a:buFont typeface="Arial" panose="020B0604020202020204" pitchFamily="34" charset="0"/>
+              <a:buChar char="•"/>
+            </a:pPr>
+            <a:r>
+              <a:rPr lang="en-US" dirty="0">
+                <a:solidFill>
+                  <a:schemeClr val="bg1"/>
+                </a:solidFill>
+              </a:rPr>
+              <a:t>Salaries for experts at small companies were excluded to avoid overfitting to the outlier.</a:t>
+            </a:r>
+          </a:p>
+          <a:p>
+            <a:pPr marL="285750" indent="-285750">
+              <a:buFont typeface="Arial" panose="020B0604020202020204" pitchFamily="34" charset="0"/>
+              <a:buChar char="•"/>
+            </a:pPr>
+            <a:r>
+              <a:rPr lang="en-US" dirty="0">
+                <a:solidFill>
+                  <a:schemeClr val="bg1"/>
+                </a:solidFill>
+              </a:rPr>
+              <a:t>Prediction for expert level salary at a small company:</a:t>
+            </a:r>
+          </a:p>
+          <a:p>
+            <a:pPr marL="742950" lvl="1" indent="-285750">
+              <a:buFont typeface="Arial" panose="020B0604020202020204" pitchFamily="34" charset="0"/>
+              <a:buChar char="•"/>
+            </a:pPr>
+            <a:r>
+              <a:rPr lang="en-US" dirty="0">
+                <a:solidFill>
+                  <a:schemeClr val="bg1"/>
+                </a:solidFill>
+              </a:rPr>
+              <a:t>~$227,900</a:t>
+            </a:r>
+          </a:p>
+        </p:txBody>
+      </p:sp>
+      <p:sp>
+        <p:nvSpPr>
+          <p:cNvPr id="10" name="TextBox 9">
+            <a:extLst>
+              <a:ext uri="{FF2B5EF4-FFF2-40B4-BE49-F238E27FC236}">
+                <a16:creationId xmlns:a16="http://schemas.microsoft.com/office/drawing/2014/main" id="{DB83AE40-FC8F-9BB6-8F98-D91A2C29BB2E}"/>
+              </a:ext>
+            </a:extLst>
+          </p:cNvPr>
+          <p:cNvSpPr txBox="1"/>
+          <p:nvPr/>
+        </p:nvSpPr>
+        <p:spPr>
+          <a:xfrm>
+            <a:off x="6939285" y="2536481"/>
+            <a:ext cx="3237509" cy="2862322"/>
+          </a:xfrm>
+          <a:prstGeom prst="rect">
+            <a:avLst/>
+          </a:prstGeom>
+          <a:noFill/>
+        </p:spPr>
+        <p:txBody>
+          <a:bodyPr wrap="square" rtlCol="0">
+            <a:spAutoFit/>
+          </a:bodyPr>
+          <a:lstStyle/>
+          <a:p>
+            <a:pPr marL="285750" indent="-285750">
+              <a:buFont typeface="Arial" panose="020B0604020202020204" pitchFamily="34" charset="0"/>
+              <a:buChar char="•"/>
+            </a:pPr>
+            <a:r>
+              <a:rPr lang="en-US" dirty="0">
+                <a:solidFill>
+                  <a:schemeClr val="bg1"/>
+                </a:solidFill>
+              </a:rPr>
+              <a:t>Data included US company sizes, experience levels, and salaries.</a:t>
+            </a:r>
+          </a:p>
+          <a:p>
+            <a:pPr marL="285750" indent="-285750">
+              <a:buFont typeface="Arial" panose="020B0604020202020204" pitchFamily="34" charset="0"/>
+              <a:buChar char="•"/>
+            </a:pPr>
+            <a:r>
+              <a:rPr lang="en-US" dirty="0">
+                <a:solidFill>
+                  <a:schemeClr val="bg1"/>
+                </a:solidFill>
+              </a:rPr>
+              <a:t>Salaries for experts at small companies were excluded to avoid overfitting to the outlier.</a:t>
+            </a:r>
+          </a:p>
+          <a:p>
+            <a:pPr marL="285750" indent="-285750">
+              <a:buFont typeface="Arial" panose="020B0604020202020204" pitchFamily="34" charset="0"/>
+              <a:buChar char="•"/>
+            </a:pPr>
+            <a:r>
+              <a:rPr lang="en-US" dirty="0">
+                <a:solidFill>
+                  <a:schemeClr val="bg1"/>
+                </a:solidFill>
+              </a:rPr>
+              <a:t>Prediction for expert level salary at a small company:</a:t>
+            </a:r>
+          </a:p>
+          <a:p>
+            <a:pPr marL="742950" lvl="1" indent="-285750">
+              <a:buFont typeface="Arial" panose="020B0604020202020204" pitchFamily="34" charset="0"/>
+              <a:buChar char="•"/>
+            </a:pPr>
+            <a:r>
+              <a:rPr lang="en-US" dirty="0">
+                <a:solidFill>
+                  <a:schemeClr val="bg1"/>
+                </a:solidFill>
+              </a:rPr>
+              <a:t>~$227,900</a:t>
+            </a:r>
+          </a:p>
+        </p:txBody>
+      </p:sp>
+      <p:sp>
+        <p:nvSpPr>
+          <p:cNvPr id="11" name="TextBox 10">
+            <a:extLst>
+              <a:ext uri="{FF2B5EF4-FFF2-40B4-BE49-F238E27FC236}">
+                <a16:creationId xmlns:a16="http://schemas.microsoft.com/office/drawing/2014/main" id="{93697D03-90C1-5814-EDB6-5CB3A057065E}"/>
+              </a:ext>
+            </a:extLst>
+          </p:cNvPr>
+          <p:cNvSpPr txBox="1"/>
+          <p:nvPr/>
+        </p:nvSpPr>
+        <p:spPr>
+          <a:xfrm>
+            <a:off x="2122477" y="5618758"/>
+            <a:ext cx="10402533" cy="923330"/>
+          </a:xfrm>
+          <a:prstGeom prst="rect">
+            <a:avLst/>
+          </a:prstGeom>
+          <a:noFill/>
+        </p:spPr>
+        <p:txBody>
+          <a:bodyPr wrap="square" rtlCol="0">
+            <a:spAutoFit/>
+          </a:bodyPr>
+          <a:lstStyle/>
+          <a:p>
+            <a:r>
+              <a:rPr lang="en-US" dirty="0">
+                <a:solidFill>
+                  <a:schemeClr val="bg1"/>
+                </a:solidFill>
+              </a:rPr>
+              <a:t>Results: </a:t>
+            </a:r>
+          </a:p>
+          <a:p>
+            <a:pPr marL="285750" indent="-285750">
+              <a:buFont typeface="Arial" panose="020B0604020202020204" pitchFamily="34" charset="0"/>
+              <a:buChar char="•"/>
+            </a:pPr>
+            <a:r>
+              <a:rPr lang="en-US" dirty="0">
+                <a:solidFill>
+                  <a:schemeClr val="bg1"/>
+                </a:solidFill>
+              </a:rPr>
+              <a:t>Both models predicted the same salary for the position. </a:t>
+            </a:r>
+          </a:p>
+          <a:p>
+            <a:pPr marL="285750" indent="-285750">
+              <a:buFont typeface="Arial" panose="020B0604020202020204" pitchFamily="34" charset="0"/>
+              <a:buChar char="•"/>
+            </a:pPr>
+            <a:r>
+              <a:rPr lang="en-US" dirty="0">
+                <a:solidFill>
+                  <a:schemeClr val="bg1"/>
+                </a:solidFill>
+              </a:rPr>
+              <a:t>This output is reasonable for a 75</a:t>
+            </a:r>
+            <a:r>
+              <a:rPr lang="en-US" baseline="30000" dirty="0">
+                <a:solidFill>
+                  <a:schemeClr val="bg1"/>
+                </a:solidFill>
+              </a:rPr>
+              <a:t>th</a:t>
+            </a:r>
+            <a:r>
+              <a:rPr lang="en-US" dirty="0">
+                <a:solidFill>
+                  <a:schemeClr val="bg1"/>
+                </a:solidFill>
+              </a:rPr>
+              <a:t> percentile salary when compared to the rest of the data set.</a:t>
+            </a:r>
+          </a:p>
+        </p:txBody>
+      </p:sp>
+      <p:sp>
+        <p:nvSpPr>
+          <p:cNvPr id="2" name="TextBox 1">
+            <a:extLst>
+              <a:ext uri="{FF2B5EF4-FFF2-40B4-BE49-F238E27FC236}">
+                <a16:creationId xmlns:a16="http://schemas.microsoft.com/office/drawing/2014/main" id="{B353F9A1-4E43-C248-B10F-45AD1D23FD5D}"/>
+              </a:ext>
+            </a:extLst>
+          </p:cNvPr>
+          <p:cNvSpPr txBox="1"/>
+          <p:nvPr/>
+        </p:nvSpPr>
+        <p:spPr>
+          <a:xfrm>
+            <a:off x="2067272" y="680952"/>
+            <a:ext cx="9744026" cy="923330"/>
+          </a:xfrm>
+          <a:prstGeom prst="rect">
+            <a:avLst/>
+          </a:prstGeom>
+          <a:noFill/>
+        </p:spPr>
+        <p:txBody>
+          <a:bodyPr wrap="square" rtlCol="0">
+            <a:spAutoFit/>
+          </a:bodyPr>
+          <a:lstStyle/>
+          <a:p>
+            <a:r>
+              <a:rPr lang="en-US" dirty="0">
+                <a:solidFill>
+                  <a:schemeClr val="bg1"/>
+                </a:solidFill>
+              </a:rPr>
+              <a:t>There is only one salary present for Expert Data Scientists at small companies, and it appears to be an outlier. Two methods were used to predict a more reasonable salary for this position at a small company:</a:t>
+            </a:r>
+          </a:p>
+        </p:txBody>
+      </p:sp>
+    </p:spTree>
+    <p:extLst>
+      <p:ext uri="{BB962C8B-B14F-4D97-AF65-F5344CB8AC3E}">
+        <p14:creationId xmlns:p14="http://schemas.microsoft.com/office/powerpoint/2010/main" val="515915790"/>
       </p:ext>
     </p:extLst>
   </p:cSld>
@@ -6804,6 +10446,15 @@
 </file>
 
 <file path=customXml/item1.xml><?xml version="1.0" encoding="utf-8"?>
+<?mso-contentType ?>
+<FormTemplates xmlns="http://schemas.microsoft.com/sharepoint/v3/contenttype/forms">
+  <Display>DocumentLibraryForm</Display>
+  <Edit>DocumentLibraryForm</Edit>
+  <New>DocumentLibraryForm</New>
+</FormTemplates>
+</file>
+
+<file path=customXml/item2.xml><?xml version="1.0" encoding="utf-8"?>
 <p:properties xmlns:p="http://schemas.microsoft.com/office/2006/metadata/properties" xmlns:xsi="http://www.w3.org/2001/XMLSchema-instance" xmlns:pc="http://schemas.microsoft.com/office/infopath/2007/PartnerControls">
   <documentManagement>
     <_ip_UnifiedCompliancePolicyUIAction xmlns="http://schemas.microsoft.com/sharepoint/v3" xsi:nil="true"/>
@@ -6821,15 +10472,6 @@
     <MediaServiceKeyPoints xmlns="71af3243-3dd4-4a8d-8c0d-dd76da1f02a5" xsi:nil="true"/>
   </documentManagement>
 </p:properties>
-</file>
-
-<file path=customXml/item2.xml><?xml version="1.0" encoding="utf-8"?>
-<?mso-contentType ?>
-<FormTemplates xmlns="http://schemas.microsoft.com/sharepoint/v3/contenttype/forms">
-  <Display>DocumentLibraryForm</Display>
-  <Edit>DocumentLibraryForm</Edit>
-  <New>DocumentLibraryForm</New>
-</FormTemplates>
 </file>
 
 <file path=customXml/item3.xml><?xml version="1.0" encoding="utf-8"?>
@@ -7145,6 +10787,14 @@
 </file>
 
 <file path=customXml/itemProps1.xml><?xml version="1.0" encoding="utf-8"?>
+<ds:datastoreItem xmlns:ds="http://schemas.openxmlformats.org/officeDocument/2006/customXml" ds:itemID="{B7B39BD0-040C-43BE-B0E4-512B09E8003F}">
+  <ds:schemaRefs>
+    <ds:schemaRef ds:uri="http://schemas.microsoft.com/sharepoint/v3/contenttype/forms"/>
+  </ds:schemaRefs>
+</ds:datastoreItem>
+</file>
+
+<file path=customXml/itemProps2.xml><?xml version="1.0" encoding="utf-8"?>
 <ds:datastoreItem xmlns:ds="http://schemas.openxmlformats.org/officeDocument/2006/customXml" ds:itemID="{AB045227-5724-4DBF-9712-031B1BFB2C3C}">
   <ds:schemaRefs>
     <ds:schemaRef ds:uri="http://schemas.microsoft.com/office/2006/metadata/properties"/>
@@ -7152,14 +10802,6 @@
     <ds:schemaRef ds:uri="http://schemas.microsoft.com/sharepoint/v3"/>
     <ds:schemaRef ds:uri="71af3243-3dd4-4a8d-8c0d-dd76da1f02a5"/>
     <ds:schemaRef ds:uri="230e9df3-be65-4c73-a93b-d1236ebd677e"/>
-  </ds:schemaRefs>
-</ds:datastoreItem>
-</file>
-
-<file path=customXml/itemProps2.xml><?xml version="1.0" encoding="utf-8"?>
-<ds:datastoreItem xmlns:ds="http://schemas.openxmlformats.org/officeDocument/2006/customXml" ds:itemID="{B7B39BD0-040C-43BE-B0E4-512B09E8003F}">
-  <ds:schemaRefs>
-    <ds:schemaRef ds:uri="http://schemas.microsoft.com/sharepoint/v3/contenttype/forms"/>
   </ds:schemaRefs>
 </ds:datastoreItem>
 </file>
